--- a/10_张丽玮.pptx
+++ b/10_张丽玮.pptx
@@ -25,17 +25,18 @@
     <p:sldId id="343" r:id="rId18"/>
     <p:sldId id="344" r:id="rId19"/>
     <p:sldId id="345" r:id="rId20"/>
-    <p:sldId id="346" r:id="rId21"/>
-    <p:sldId id="347" r:id="rId22"/>
-    <p:sldId id="328" r:id="rId23"/>
-    <p:sldId id="348" r:id="rId24"/>
-    <p:sldId id="275" r:id="rId25"/>
-    <p:sldId id="330" r:id="rId26"/>
-    <p:sldId id="331" r:id="rId27"/>
-    <p:sldId id="332" r:id="rId28"/>
-    <p:sldId id="329" r:id="rId29"/>
-    <p:sldId id="349" r:id="rId30"/>
-    <p:sldId id="261" r:id="rId31"/>
+    <p:sldId id="375" r:id="rId21"/>
+    <p:sldId id="346" r:id="rId22"/>
+    <p:sldId id="347" r:id="rId23"/>
+    <p:sldId id="328" r:id="rId24"/>
+    <p:sldId id="348" r:id="rId25"/>
+    <p:sldId id="275" r:id="rId26"/>
+    <p:sldId id="330" r:id="rId27"/>
+    <p:sldId id="331" r:id="rId28"/>
+    <p:sldId id="332" r:id="rId29"/>
+    <p:sldId id="329" r:id="rId30"/>
+    <p:sldId id="349" r:id="rId31"/>
+    <p:sldId id="261" r:id="rId32"/>
   </p:sldIdLst>
   <p:sldSz cx="12192000" cy="6858000"/>
   <p:notesSz cx="6858000" cy="9144000"/>
@@ -3916,7 +3917,7 @@
         <p:spPr>
           <a:xfrm>
             <a:off x="1647825" y="2552065"/>
-            <a:ext cx="8111490" cy="1938020"/>
+            <a:ext cx="8111490" cy="2245360"/>
           </a:xfrm>
           <a:prstGeom prst="rect">
             <a:avLst/>
@@ -3969,6 +3970,10 @@
               <a:rPr lang="zh-CN" altLang="en-US" sz="2000"/>
               <a:t>因此之后我们准备在规则上再加入对分句的判断，提高准确率。</a:t>
             </a:r>
+            <a:endParaRPr lang="zh-CN" altLang="en-US" sz="2000"/>
+          </a:p>
+          <a:p>
+            <a:pPr algn="ctr"/>
             <a:endParaRPr lang="zh-CN" altLang="en-US" sz="2000"/>
           </a:p>
           <a:p>
@@ -4013,7 +4018,7 @@
           <a:p>
             <a:r>
               <a:rPr lang="zh-CN" altLang="en-US"/>
-              <a:t>基于训练</a:t>
+              <a:t>基于规则</a:t>
             </a:r>
             <a:endParaRPr lang="zh-CN" altLang="en-US"/>
           </a:p>
@@ -4070,8 +4075,8 @@
         </p:nvSpPr>
         <p:spPr>
           <a:xfrm>
-            <a:off x="1647825" y="2552065"/>
-            <a:ext cx="8111490" cy="1568450"/>
+            <a:off x="1408430" y="1409700"/>
+            <a:ext cx="8111490" cy="3415030"/>
           </a:xfrm>
           <a:prstGeom prst="rect">
             <a:avLst/>
@@ -4083,53 +4088,107 @@
             <a:spAutoFit/>
           </a:bodyPr>
           <a:p>
-            <a:pPr algn="ctr"/>
-            <a:r>
-              <a:rPr lang="zh-CN" altLang="en-US" sz="2400"/>
-              <a:t>现在我们需要对数据进行</a:t>
-            </a:r>
-            <a:r>
-              <a:rPr lang="en-US" altLang="zh-CN" sz="2400"/>
-              <a:t>“</a:t>
-            </a:r>
-            <a:r>
-              <a:rPr lang="zh-CN" altLang="en-US" sz="2400"/>
-              <a:t>预处理</a:t>
-            </a:r>
-            <a:r>
-              <a:rPr lang="en-US" altLang="zh-CN" sz="2400"/>
-              <a:t>”——</a:t>
-            </a:r>
-            <a:r>
-              <a:rPr lang="zh-CN" altLang="en-US" sz="2400"/>
-              <a:t>即去除冗余数据</a:t>
-            </a:r>
-            <a:endParaRPr lang="zh-CN" altLang="en-US" sz="2400"/>
-          </a:p>
-          <a:p>
-            <a:pPr algn="ctr"/>
-            <a:r>
-              <a:rPr lang="zh-CN" altLang="en-US" sz="2400"/>
-              <a:t>这里我们自然地想到采用</a:t>
-            </a:r>
-            <a:r>
-              <a:rPr lang="en-US" altLang="zh-CN" sz="2400"/>
-              <a:t>RNN</a:t>
-            </a:r>
-            <a:r>
-              <a:rPr lang="zh-CN" altLang="en-US" sz="2400"/>
-              <a:t>模型训练</a:t>
-            </a:r>
-            <a:endParaRPr lang="zh-CN" altLang="en-US" sz="2400"/>
-          </a:p>
-          <a:p>
-            <a:endParaRPr lang="zh-CN" altLang="en-US" sz="2400"/>
-          </a:p>
-          <a:p>
-            <a:endParaRPr lang="zh-CN" altLang="en-US" sz="2400"/>
-          </a:p>
-        </p:txBody>
-      </p:sp>
+            <a:r>
+              <a:rPr lang="zh-CN"/>
+              <a:t>加入分句判断之后，未去冗余的结果：</a:t>
+            </a:r>
+            <a:endParaRPr lang="zh-CN" altLang="en-US"/>
+          </a:p>
+          <a:p>
+            <a:endParaRPr lang="zh-CN" altLang="en-US"/>
+          </a:p>
+          <a:p>
+            <a:endParaRPr lang="zh-CN" altLang="en-US"/>
+          </a:p>
+          <a:p>
+            <a:endParaRPr lang="zh-CN" altLang="en-US"/>
+          </a:p>
+          <a:p>
+            <a:endParaRPr lang="zh-CN" altLang="en-US"/>
+          </a:p>
+          <a:p>
+            <a:endParaRPr lang="zh-CN" altLang="en-US"/>
+          </a:p>
+          <a:p>
+            <a:endParaRPr lang="zh-CN" altLang="en-US"/>
+          </a:p>
+          <a:p>
+            <a:endParaRPr lang="zh-CN" altLang="en-US"/>
+          </a:p>
+          <a:p>
+            <a:endParaRPr lang="zh-CN" altLang="en-US"/>
+          </a:p>
+          <a:p>
+            <a:r>
+              <a:rPr lang="zh-CN" altLang="en-US"/>
+              <a:t>去除冗余的结果</a:t>
+            </a:r>
+            <a:r>
+              <a:rPr lang="en-US" altLang="zh-CN"/>
+              <a:t>——</a:t>
+            </a:r>
+            <a:r>
+              <a:rPr lang="zh-CN" altLang="en-US"/>
+              <a:t>这个结果非常喜人，说明这两条规则全覆盖了训练集</a:t>
+            </a:r>
+            <a:endParaRPr lang="zh-CN" altLang="en-US"/>
+          </a:p>
+          <a:p>
+            <a:endParaRPr lang="zh-CN" altLang="en-US"/>
+          </a:p>
+          <a:p>
+            <a:endParaRPr lang="zh-CN" altLang="en-US"/>
+          </a:p>
+        </p:txBody>
+      </p:sp>
+      <p:pic>
+        <p:nvPicPr>
+          <p:cNvPr id="6" name="图片 5"/>
+          <p:cNvPicPr>
+            <a:picLocks noChangeAspect="1"/>
+          </p:cNvPicPr>
+          <p:nvPr/>
+        </p:nvPicPr>
+        <p:blipFill>
+          <a:blip r:embed="rId1"/>
+          <a:stretch>
+            <a:fillRect/>
+          </a:stretch>
+        </p:blipFill>
+        <p:spPr>
+          <a:xfrm>
+            <a:off x="1452880" y="2040255"/>
+            <a:ext cx="2575560" cy="1484630"/>
+          </a:xfrm>
+          <a:prstGeom prst="rect">
+            <a:avLst/>
+          </a:prstGeom>
+        </p:spPr>
+      </p:pic>
+      <p:pic>
+        <p:nvPicPr>
+          <p:cNvPr id="9" name="图片 8" descr="W)BQLO997UTYORU]R){K}AA"/>
+          <p:cNvPicPr>
+            <a:picLocks noChangeAspect="1"/>
+          </p:cNvPicPr>
+          <p:nvPr/>
+        </p:nvPicPr>
+        <p:blipFill>
+          <a:blip r:embed="rId2"/>
+          <a:stretch>
+            <a:fillRect/>
+          </a:stretch>
+        </p:blipFill>
+        <p:spPr>
+          <a:xfrm>
+            <a:off x="1509395" y="4426585"/>
+            <a:ext cx="2590800" cy="1285875"/>
+          </a:xfrm>
+          <a:prstGeom prst="rect">
+            <a:avLst/>
+          </a:prstGeom>
+        </p:spPr>
+      </p:pic>
     </p:spTree>
   </p:cSld>
   <p:clrMapOvr>
@@ -4221,8 +4280,8 @@
         </p:nvSpPr>
         <p:spPr>
           <a:xfrm>
-            <a:off x="1914525" y="1325880"/>
-            <a:ext cx="8111490" cy="3291840"/>
+            <a:off x="1647825" y="2552065"/>
+            <a:ext cx="8111490" cy="1568450"/>
           </a:xfrm>
           <a:prstGeom prst="rect">
             <a:avLst/>
@@ -4234,70 +4293,42 @@
             <a:spAutoFit/>
           </a:bodyPr>
           <a:p>
-            <a:pPr algn="l"/>
-            <a:r>
-              <a:rPr lang="en-US" altLang="zh-CN" sz="2000"/>
-              <a:t>1</a:t>
-            </a:r>
-            <a:r>
-              <a:rPr lang="zh-CN" altLang="en-US" sz="2000"/>
-              <a:t>、输入：输入是一个序列，这里对给出的</a:t>
-            </a:r>
-            <a:r>
-              <a:rPr lang="en-US" altLang="zh-CN" sz="2000"/>
-              <a:t>test data</a:t>
-            </a:r>
-            <a:r>
-              <a:rPr lang="zh-CN" altLang="en-US" sz="2000"/>
-              <a:t>进行预处理，词嵌入方式生成词向量，每个词向量都是一个节点的输入</a:t>
-            </a:r>
-            <a:endParaRPr lang="zh-CN" altLang="en-US" sz="2000"/>
-          </a:p>
-          <a:p>
-            <a:pPr algn="l"/>
-            <a:endParaRPr lang="zh-CN" altLang="en-US" sz="2000"/>
-          </a:p>
-          <a:p>
-            <a:pPr algn="l"/>
-            <a:r>
-              <a:rPr lang="en-US" altLang="zh-CN" sz="2000"/>
-              <a:t>2</a:t>
-            </a:r>
-            <a:r>
-              <a:rPr lang="zh-CN" altLang="en-US" sz="2000"/>
-              <a:t>、输出：输出一个以属性数目为维度的序列，分别是每个属性的概率，取概率最大的作为结果处理后的属性</a:t>
-            </a:r>
-            <a:endParaRPr lang="zh-CN" altLang="en-US" sz="2000"/>
-          </a:p>
-          <a:p>
-            <a:pPr algn="l"/>
-            <a:endParaRPr lang="zh-CN" altLang="en-US" sz="2000"/>
-          </a:p>
-          <a:p>
-            <a:pPr algn="l"/>
-            <a:r>
-              <a:rPr lang="en-US" altLang="zh-CN" sz="2000"/>
-              <a:t>3</a:t>
-            </a:r>
-            <a:r>
-              <a:rPr lang="zh-CN" altLang="en-US" sz="2000"/>
-              <a:t>、属性的主要区分在于</a:t>
-            </a:r>
-            <a:r>
-              <a:rPr lang="en-US" altLang="zh-CN" sz="2000"/>
-              <a:t>——</a:t>
-            </a:r>
-            <a:r>
-              <a:rPr lang="zh-CN" altLang="en-US" sz="2000"/>
-              <a:t>三元组属性</a:t>
-            </a:r>
-            <a:r>
-              <a:rPr lang="en-US" altLang="zh-CN" sz="2000"/>
-              <a:t>t,a,v</a:t>
-            </a:r>
-            <a:r>
-              <a:rPr lang="zh-CN" altLang="en-US" sz="2000"/>
-              <a:t>和无关属性，这样可以达到去冗余的目的</a:t>
+            <a:pPr algn="ctr"/>
+            <a:r>
+              <a:rPr lang="zh-CN" altLang="en-US" sz="2400"/>
+              <a:t>现在我们需要对数据进行</a:t>
+            </a:r>
+            <a:r>
+              <a:rPr lang="en-US" altLang="zh-CN" sz="2400"/>
+              <a:t>“</a:t>
+            </a:r>
+            <a:r>
+              <a:rPr lang="zh-CN" altLang="en-US" sz="2400"/>
+              <a:t>预处理</a:t>
+            </a:r>
+            <a:r>
+              <a:rPr lang="en-US" altLang="zh-CN" sz="2400"/>
+              <a:t>”——</a:t>
+            </a:r>
+            <a:r>
+              <a:rPr lang="zh-CN" altLang="en-US" sz="2400"/>
+              <a:t>即去除冗余数据</a:t>
+            </a:r>
+            <a:endParaRPr lang="zh-CN" altLang="en-US" sz="2400"/>
+          </a:p>
+          <a:p>
+            <a:pPr algn="ctr"/>
+            <a:r>
+              <a:rPr lang="zh-CN" altLang="en-US" sz="2400"/>
+              <a:t>这里我们自然地想到采用</a:t>
+            </a:r>
+            <a:r>
+              <a:rPr lang="en-US" altLang="zh-CN" sz="2400"/>
+              <a:t>RNN</a:t>
+            </a:r>
+            <a:r>
+              <a:rPr lang="zh-CN" altLang="en-US" sz="2400"/>
+              <a:t>模型训练</a:t>
             </a:r>
             <a:endParaRPr lang="zh-CN" altLang="en-US" sz="2400"/>
           </a:p>
@@ -5283,6 +5314,185 @@
         <p:cNvGrpSpPr/>
         <p:nvPr/>
       </p:nvGrpSpPr>
+      <p:grpSpPr/>
+      <p:sp>
+        <p:nvSpPr>
+          <p:cNvPr id="2" name="标题 1"/>
+          <p:cNvSpPr>
+            <a:spLocks noGrp="1"/>
+          </p:cNvSpPr>
+          <p:nvPr>
+            <p:ph type="title"/>
+          </p:nvPr>
+        </p:nvSpPr>
+        <p:spPr/>
+        <p:txBody>
+          <a:bodyPr/>
+          <a:p>
+            <a:r>
+              <a:rPr lang="zh-CN" altLang="en-US"/>
+              <a:t>基于训练</a:t>
+            </a:r>
+            <a:endParaRPr lang="zh-CN" altLang="en-US"/>
+          </a:p>
+        </p:txBody>
+      </p:sp>
+      <p:sp>
+        <p:nvSpPr>
+          <p:cNvPr id="3" name="页脚占位符 2"/>
+          <p:cNvSpPr>
+            <a:spLocks noGrp="1"/>
+          </p:cNvSpPr>
+          <p:nvPr>
+            <p:ph type="ftr" sz="quarter" idx="11"/>
+          </p:nvPr>
+        </p:nvSpPr>
+        <p:spPr/>
+        <p:txBody>
+          <a:bodyPr/>
+          <a:p>
+            <a:r>
+              <a:rPr lang="en-US" altLang="zh-CN"/>
+              <a:t>www.islide.cc</a:t>
+            </a:r>
+            <a:endParaRPr lang="zh-CN" altLang="en-US" dirty="0"/>
+          </a:p>
+        </p:txBody>
+      </p:sp>
+      <p:sp>
+        <p:nvSpPr>
+          <p:cNvPr id="4" name="灯片编号占位符 3"/>
+          <p:cNvSpPr>
+            <a:spLocks noGrp="1"/>
+          </p:cNvSpPr>
+          <p:nvPr>
+            <p:ph type="sldNum" sz="quarter" idx="12"/>
+          </p:nvPr>
+        </p:nvSpPr>
+        <p:spPr/>
+        <p:txBody>
+          <a:bodyPr/>
+          <a:p>
+            <a:fld id="{5DD3DB80-B894-403A-B48E-6FDC1A72010E}" type="slidenum">
+              <a:rPr lang="zh-CN" altLang="en-US" smtClean="0"/>
+            </a:fld>
+            <a:endParaRPr lang="zh-CN" altLang="en-US"/>
+          </a:p>
+        </p:txBody>
+      </p:sp>
+      <p:sp>
+        <p:nvSpPr>
+          <p:cNvPr id="5" name="文本框 4"/>
+          <p:cNvSpPr txBox="1"/>
+          <p:nvPr/>
+        </p:nvSpPr>
+        <p:spPr>
+          <a:xfrm>
+            <a:off x="1914525" y="1325880"/>
+            <a:ext cx="8111490" cy="3291840"/>
+          </a:xfrm>
+          <a:prstGeom prst="rect">
+            <a:avLst/>
+          </a:prstGeom>
+          <a:noFill/>
+        </p:spPr>
+        <p:txBody>
+          <a:bodyPr wrap="square" rtlCol="0">
+            <a:spAutoFit/>
+          </a:bodyPr>
+          <a:p>
+            <a:pPr algn="l"/>
+            <a:r>
+              <a:rPr lang="en-US" altLang="zh-CN" sz="2000"/>
+              <a:t>1</a:t>
+            </a:r>
+            <a:r>
+              <a:rPr lang="zh-CN" altLang="en-US" sz="2000"/>
+              <a:t>、输入：输入是一个序列，这里对给出的</a:t>
+            </a:r>
+            <a:r>
+              <a:rPr lang="en-US" altLang="zh-CN" sz="2000"/>
+              <a:t>test data</a:t>
+            </a:r>
+            <a:r>
+              <a:rPr lang="zh-CN" altLang="en-US" sz="2000"/>
+              <a:t>进行预处理，词嵌入方式生成词向量，每个词向量都是一个节点的输入</a:t>
+            </a:r>
+            <a:endParaRPr lang="zh-CN" altLang="en-US" sz="2000"/>
+          </a:p>
+          <a:p>
+            <a:pPr algn="l"/>
+            <a:endParaRPr lang="zh-CN" altLang="en-US" sz="2000"/>
+          </a:p>
+          <a:p>
+            <a:pPr algn="l"/>
+            <a:r>
+              <a:rPr lang="en-US" altLang="zh-CN" sz="2000"/>
+              <a:t>2</a:t>
+            </a:r>
+            <a:r>
+              <a:rPr lang="zh-CN" altLang="en-US" sz="2000"/>
+              <a:t>、输出：输出一个以属性数目为维度的序列，分别是每个属性的概率，取概率最大的作为结果处理后的属性</a:t>
+            </a:r>
+            <a:endParaRPr lang="zh-CN" altLang="en-US" sz="2000"/>
+          </a:p>
+          <a:p>
+            <a:pPr algn="l"/>
+            <a:endParaRPr lang="zh-CN" altLang="en-US" sz="2000"/>
+          </a:p>
+          <a:p>
+            <a:pPr algn="l"/>
+            <a:r>
+              <a:rPr lang="en-US" altLang="zh-CN" sz="2000"/>
+              <a:t>3</a:t>
+            </a:r>
+            <a:r>
+              <a:rPr lang="zh-CN" altLang="en-US" sz="2000"/>
+              <a:t>、属性的主要区分在于</a:t>
+            </a:r>
+            <a:r>
+              <a:rPr lang="en-US" altLang="zh-CN" sz="2000"/>
+              <a:t>——</a:t>
+            </a:r>
+            <a:r>
+              <a:rPr lang="zh-CN" altLang="en-US" sz="2000"/>
+              <a:t>三元组属性</a:t>
+            </a:r>
+            <a:r>
+              <a:rPr lang="en-US" altLang="zh-CN" sz="2000"/>
+              <a:t>t,a,v</a:t>
+            </a:r>
+            <a:r>
+              <a:rPr lang="zh-CN" altLang="en-US" sz="2000"/>
+              <a:t>和无关属性，这样可以达到去冗余的目的</a:t>
+            </a:r>
+            <a:endParaRPr lang="zh-CN" altLang="en-US" sz="2400"/>
+          </a:p>
+          <a:p>
+            <a:endParaRPr lang="zh-CN" altLang="en-US" sz="2400"/>
+          </a:p>
+          <a:p>
+            <a:endParaRPr lang="zh-CN" altLang="en-US" sz="2400"/>
+          </a:p>
+        </p:txBody>
+      </p:sp>
+    </p:spTree>
+  </p:cSld>
+  <p:clrMapOvr>
+    <a:masterClrMapping/>
+  </p:clrMapOvr>
+</p:sld>
+</file>
+
+<file path=ppt/slides/slide21.xml><?xml version="1.0" encoding="utf-8"?>
+<p:sld xmlns:a="http://schemas.openxmlformats.org/drawingml/2006/main" xmlns:r="http://schemas.openxmlformats.org/officeDocument/2006/relationships" xmlns:p="http://schemas.openxmlformats.org/presentationml/2006/main">
+  <p:cSld>
+    <p:spTree>
+      <p:nvGrpSpPr>
+        <p:cNvPr id="1" name=""/>
+        <p:cNvGrpSpPr/>
+        <p:nvPr/>
+      </p:nvGrpSpPr>
       <p:grpSpPr>
         <a:xfrm>
           <a:off x="0" y="0"/>
@@ -5373,7 +5583,7 @@
 </p:sld>
 </file>
 
-<file path=ppt/slides/slide21.xml><?xml version="1.0" encoding="utf-8"?>
+<file path=ppt/slides/slide22.xml><?xml version="1.0" encoding="utf-8"?>
 <p:sld xmlns:a="http://schemas.openxmlformats.org/drawingml/2006/main" xmlns:r="http://schemas.openxmlformats.org/officeDocument/2006/relationships" xmlns:p="http://schemas.openxmlformats.org/presentationml/2006/main">
   <p:cSld>
     <p:spTree>
@@ -5557,101 +5767,6 @@
           </a:p>
           <a:p>
             <a:endParaRPr lang="zh-CN" altLang="en-US" sz="2400"/>
-          </a:p>
-        </p:txBody>
-      </p:sp>
-    </p:spTree>
-  </p:cSld>
-  <p:clrMapOvr>
-    <a:masterClrMapping/>
-  </p:clrMapOvr>
-</p:sld>
-</file>
-
-<file path=ppt/slides/slide22.xml><?xml version="1.0" encoding="utf-8"?>
-<p:sld xmlns:a="http://schemas.openxmlformats.org/drawingml/2006/main" xmlns:r="http://schemas.openxmlformats.org/officeDocument/2006/relationships" xmlns:p="http://schemas.openxmlformats.org/presentationml/2006/main">
-  <p:cSld>
-    <p:spTree>
-      <p:nvGrpSpPr>
-        <p:cNvPr id="1" name=""/>
-        <p:cNvGrpSpPr/>
-        <p:nvPr/>
-      </p:nvGrpSpPr>
-      <p:grpSpPr>
-        <a:xfrm>
-          <a:off x="0" y="0"/>
-          <a:ext cx="0" cy="0"/>
-          <a:chOff x="0" y="0"/>
-          <a:chExt cx="0" cy="0"/>
-        </a:xfrm>
-      </p:grpSpPr>
-      <p:sp>
-        <p:nvSpPr>
-          <p:cNvPr id="2" name="标题 1"/>
-          <p:cNvSpPr>
-            <a:spLocks noGrp="1"/>
-          </p:cNvSpPr>
-          <p:nvPr>
-            <p:ph type="title"/>
-          </p:nvPr>
-        </p:nvSpPr>
-        <p:spPr/>
-        <p:txBody>
-          <a:bodyPr>
-            <a:noAutofit/>
-          </a:bodyPr>
-          <a:lstStyle/>
-          <a:p>
-            <a:r>
-              <a:rPr lang="zh-CN" altLang="en-US" sz="4800" dirty="0"/>
-              <a:t>思路总结</a:t>
-            </a:r>
-            <a:endParaRPr lang="zh-CN" altLang="en-US" sz="4800" dirty="0"/>
-          </a:p>
-        </p:txBody>
-      </p:sp>
-      <p:sp>
-        <p:nvSpPr>
-          <p:cNvPr id="4" name="文本框 3"/>
-          <p:cNvSpPr txBox="1"/>
-          <p:nvPr/>
-        </p:nvSpPr>
-        <p:spPr>
-          <a:xfrm>
-            <a:off x="10429874" y="2252306"/>
-            <a:ext cx="886883" cy="1176694"/>
-          </a:xfrm>
-          <a:prstGeom prst="rect">
-            <a:avLst/>
-          </a:prstGeom>
-          <a:noFill/>
-        </p:spPr>
-        <p:txBody>
-          <a:bodyPr wrap="none" rtlCol="0">
-            <a:prstTxWarp prst="textPlain">
-              <a:avLst/>
-            </a:prstTxWarp>
-            <a:spAutoFit/>
-          </a:bodyPr>
-          <a:lstStyle/>
-          <a:p>
-            <a:r>
-              <a:rPr lang="en-US" altLang="zh-CN" b="1" dirty="0">
-                <a:solidFill>
-                  <a:schemeClr val="accent1"/>
-                </a:solidFill>
-                <a:latin typeface="Impact" panose="020B0806030902050204" pitchFamily="34" charset="0"/>
-                <a:ea typeface="微软雅黑" panose="020B0503020204020204" pitchFamily="34" charset="-122"/>
-              </a:rPr>
-              <a:t>04</a:t>
-            </a:r>
-            <a:endParaRPr lang="zh-CN" altLang="en-US" b="1" dirty="0">
-              <a:solidFill>
-                <a:schemeClr val="accent1"/>
-              </a:solidFill>
-              <a:latin typeface="Impact" panose="020B0806030902050204" pitchFamily="34" charset="0"/>
-              <a:ea typeface="微软雅黑" panose="020B0503020204020204" pitchFamily="34" charset="-122"/>
-            </a:endParaRPr>
           </a:p>
         </p:txBody>
       </p:sp>
@@ -5682,36 +5797,39 @@
       </p:grpSpPr>
       <p:sp>
         <p:nvSpPr>
-          <p:cNvPr id="4" name="灯片编号占位符 3"/>
+          <p:cNvPr id="2" name="标题 1"/>
           <p:cNvSpPr>
             <a:spLocks noGrp="1"/>
           </p:cNvSpPr>
           <p:nvPr>
-            <p:ph type="sldNum" sz="quarter" idx="12"/>
+            <p:ph type="title"/>
           </p:nvPr>
         </p:nvSpPr>
         <p:spPr/>
         <p:txBody>
-          <a:bodyPr/>
+          <a:bodyPr>
+            <a:noAutofit/>
+          </a:bodyPr>
           <a:lstStyle/>
           <a:p>
-            <a:fld id="{5DD3DB80-B894-403A-B48E-6FDC1A72010E}" type="slidenum">
-              <a:rPr lang="zh-CN" altLang="en-US" smtClean="0"/>
-            </a:fld>
-            <a:endParaRPr lang="zh-CN" altLang="en-US"/>
-          </a:p>
-        </p:txBody>
-      </p:sp>
-      <p:sp>
-        <p:nvSpPr>
-          <p:cNvPr id="115" name="文本框 114"/>
+            <a:r>
+              <a:rPr lang="zh-CN" altLang="en-US" sz="4800" dirty="0"/>
+              <a:t>思路总结</a:t>
+            </a:r>
+            <a:endParaRPr lang="zh-CN" altLang="en-US" sz="4800" dirty="0"/>
+          </a:p>
+        </p:txBody>
+      </p:sp>
+      <p:sp>
+        <p:nvSpPr>
+          <p:cNvPr id="4" name="文本框 3"/>
           <p:cNvSpPr txBox="1"/>
           <p:nvPr/>
         </p:nvSpPr>
         <p:spPr>
           <a:xfrm>
-            <a:off x="2095500" y="1290127"/>
-            <a:ext cx="8215313" cy="2862322"/>
+            <a:off x="10429874" y="2252306"/>
+            <a:ext cx="886883" cy="1176694"/>
           </a:xfrm>
           <a:prstGeom prst="rect">
             <a:avLst/>
@@ -5719,89 +5837,34 @@
           <a:noFill/>
         </p:spPr>
         <p:txBody>
-          <a:bodyPr wrap="square" rtlCol="0">
+          <a:bodyPr wrap="none" rtlCol="0">
+            <a:prstTxWarp prst="textPlain">
+              <a:avLst/>
+            </a:prstTxWarp>
             <a:spAutoFit/>
           </a:bodyPr>
           <a:lstStyle/>
           <a:p>
             <a:r>
-              <a:rPr lang="zh-CN" altLang="en-US" sz="3600" dirty="0"/>
-              <a:t>初步设想的使用模型：</a:t>
-            </a:r>
-            <a:endParaRPr lang="en-US" altLang="zh-CN" sz="3600" dirty="0"/>
-          </a:p>
-          <a:p>
-            <a:endParaRPr lang="en-US" altLang="zh-CN" sz="2400" dirty="0"/>
-          </a:p>
-          <a:p>
-            <a:r>
-              <a:rPr lang="en-US" altLang="zh-CN" sz="2400" dirty="0"/>
-              <a:t>RNN</a:t>
-            </a:r>
-            <a:r>
-              <a:rPr lang="zh-CN" altLang="en-US" sz="2400" dirty="0"/>
-              <a:t>去冗余</a:t>
-            </a:r>
-            <a:r>
-              <a:rPr lang="en-US" altLang="zh-CN" sz="2400" dirty="0"/>
-              <a:t>+</a:t>
-            </a:r>
-            <a:r>
-              <a:rPr lang="zh-CN" altLang="en-US" sz="2400" dirty="0"/>
-              <a:t>使用规则提取三元组</a:t>
-            </a:r>
-            <a:endParaRPr lang="en-US" altLang="zh-CN" sz="2400" dirty="0"/>
-          </a:p>
-          <a:p>
-            <a:endParaRPr lang="en-US" altLang="zh-CN" sz="2400" dirty="0"/>
-          </a:p>
-          <a:p>
-            <a:r>
-              <a:rPr lang="zh-CN" altLang="en-US" sz="2400" dirty="0"/>
-              <a:t>       通过我们对数据的分析发现，有很多情况是因为数据词性的干扰导致我们难以训练出正确的结果，所以使用</a:t>
-            </a:r>
-            <a:r>
-              <a:rPr lang="en-US" altLang="zh-CN" sz="2400" dirty="0"/>
-              <a:t>RNN</a:t>
-            </a:r>
-            <a:r>
-              <a:rPr lang="zh-CN" altLang="en-US" sz="2400" dirty="0"/>
-              <a:t>重新决定数据词性。之后使用规则提取三元组。</a:t>
-            </a:r>
-            <a:endParaRPr lang="zh-CN" altLang="en-US" sz="2400" dirty="0"/>
-          </a:p>
-        </p:txBody>
-      </p:sp>
-      <p:pic>
-        <p:nvPicPr>
-          <p:cNvPr id="5" name="图片 4"/>
-          <p:cNvPicPr>
-            <a:picLocks noChangeAspect="1"/>
-          </p:cNvPicPr>
-          <p:nvPr/>
-        </p:nvPicPr>
-        <p:blipFill>
-          <a:blip r:embed="rId1">
-            <a:extLst>
-              <a:ext uri="{28A0092B-C50C-407E-A947-70E740481C1C}">
-                <a14:useLocalDpi xmlns:a14="http://schemas.microsoft.com/office/drawing/2010/main" val="0"/>
-              </a:ext>
-            </a:extLst>
-          </a:blip>
-          <a:stretch>
-            <a:fillRect/>
-          </a:stretch>
-        </p:blipFill>
-        <p:spPr>
-          <a:xfrm>
-            <a:off x="420548" y="4897721"/>
-            <a:ext cx="1549678" cy="1728787"/>
-          </a:xfrm>
-          <a:prstGeom prst="rect">
-            <a:avLst/>
-          </a:prstGeom>
-        </p:spPr>
-      </p:pic>
+              <a:rPr lang="en-US" altLang="zh-CN" b="1" dirty="0">
+                <a:solidFill>
+                  <a:schemeClr val="accent1"/>
+                </a:solidFill>
+                <a:latin typeface="Impact" panose="020B0806030902050204" pitchFamily="34" charset="0"/>
+                <a:ea typeface="微软雅黑" panose="020B0503020204020204" pitchFamily="34" charset="-122"/>
+              </a:rPr>
+              <a:t>04</a:t>
+            </a:r>
+            <a:endParaRPr lang="zh-CN" altLang="en-US" b="1" dirty="0">
+              <a:solidFill>
+                <a:schemeClr val="accent1"/>
+              </a:solidFill>
+              <a:latin typeface="Impact" panose="020B0806030902050204" pitchFamily="34" charset="0"/>
+              <a:ea typeface="微软雅黑" panose="020B0503020204020204" pitchFamily="34" charset="-122"/>
+            </a:endParaRPr>
+          </a:p>
+        </p:txBody>
+      </p:sp>
     </p:spTree>
   </p:cSld>
   <p:clrMapOvr>
@@ -5858,7 +5921,7 @@
         <p:spPr>
           <a:xfrm>
             <a:off x="2095500" y="1290127"/>
-            <a:ext cx="8215313" cy="3600986"/>
+            <a:ext cx="8215313" cy="2862322"/>
           </a:xfrm>
           <a:prstGeom prst="rect">
             <a:avLst/>
@@ -5872,34 +5935,30 @@
           <a:lstStyle/>
           <a:p>
             <a:r>
-              <a:rPr lang="en-US" altLang="zh-CN" sz="3600" dirty="0"/>
-              <a:t>RNN</a:t>
-            </a:r>
-            <a:r>
               <a:rPr lang="zh-CN" altLang="en-US" sz="3600" dirty="0"/>
-              <a:t>去冗余</a:t>
-            </a:r>
-            <a:r>
-              <a:rPr lang="zh-CN" altLang="en-US" sz="2400" dirty="0"/>
-              <a:t>：</a:t>
-            </a:r>
+              <a:t>初步设想的使用模型：</a:t>
+            </a:r>
+            <a:endParaRPr lang="en-US" altLang="zh-CN" sz="3600" dirty="0"/>
+          </a:p>
+          <a:p>
             <a:endParaRPr lang="en-US" altLang="zh-CN" sz="2400" dirty="0"/>
           </a:p>
           <a:p>
-            <a:endParaRPr lang="en-US" altLang="zh-CN" sz="2400" dirty="0"/>
-          </a:p>
-          <a:p>
-            <a:r>
-              <a:rPr lang="zh-CN" altLang="en-US" sz="2400" dirty="0"/>
-              <a:t>发现数据，在含有占比，增加等数据的时候其实是不应该有三元组输出的，我们可以通过</a:t>
-            </a:r>
             <a:r>
               <a:rPr lang="en-US" altLang="zh-CN" sz="2400" dirty="0"/>
               <a:t>RNN</a:t>
             </a:r>
             <a:r>
               <a:rPr lang="zh-CN" altLang="en-US" sz="2400" dirty="0"/>
-              <a:t>把那些无法列举的词语改变词性，变成无关的词，不参与三元组的输出匹配。</a:t>
+              <a:t>去冗余</a:t>
+            </a:r>
+            <a:r>
+              <a:rPr lang="en-US" altLang="zh-CN" sz="2400" dirty="0"/>
+              <a:t>+</a:t>
+            </a:r>
+            <a:r>
+              <a:rPr lang="zh-CN" altLang="en-US" sz="2400" dirty="0"/>
+              <a:t>使用规则提取三元组</a:t>
             </a:r>
             <a:endParaRPr lang="en-US" altLang="zh-CN" sz="2400" dirty="0"/>
           </a:p>
@@ -5909,15 +5968,7 @@
           <a:p>
             <a:r>
               <a:rPr lang="zh-CN" altLang="en-US" sz="2400" dirty="0"/>
-              <a:t>输入</a:t>
-            </a:r>
-            <a:r>
-              <a:rPr lang="en-US" altLang="zh-CN" sz="2400" dirty="0"/>
-              <a:t>Index</a:t>
-            </a:r>
-            <a:r>
-              <a:rPr lang="zh-CN" altLang="en-US" sz="2400" dirty="0"/>
-              <a:t>，通过使用词嵌入，再进入</a:t>
+              <a:t>       通过我们对数据的分析发现，有很多情况是因为数据词性的干扰导致我们难以训练出正确的结果，所以使用</a:t>
             </a:r>
             <a:r>
               <a:rPr lang="en-US" altLang="zh-CN" sz="2400" dirty="0"/>
@@ -5925,7 +5976,7 @@
             </a:r>
             <a:r>
               <a:rPr lang="zh-CN" altLang="en-US" sz="2400" dirty="0"/>
-              <a:t>训练，得到新的词性（训练得出的词性概率，选择新的词性），重新得到数据样本，送入下一模块。</a:t>
+              <a:t>重新决定数据词性。之后使用规则提取三元组。</a:t>
             </a:r>
             <a:endParaRPr lang="zh-CN" altLang="en-US" sz="2400" dirty="0"/>
           </a:p>
@@ -6016,8 +6067,8 @@
         </p:nvSpPr>
         <p:spPr>
           <a:xfrm>
-            <a:off x="2352675" y="1318702"/>
-            <a:ext cx="8215313" cy="4955203"/>
+            <a:off x="2095500" y="1290127"/>
+            <a:ext cx="8215313" cy="3600986"/>
           </a:xfrm>
           <a:prstGeom prst="rect">
             <a:avLst/>
@@ -6031,220 +6082,62 @@
           <a:lstStyle/>
           <a:p>
             <a:r>
-              <a:rPr lang="zh-CN" altLang="en-US" sz="4000" dirty="0"/>
-              <a:t>规则</a:t>
-            </a:r>
-            <a:r>
-              <a:rPr lang="zh-CN" altLang="en-US" sz="3200" dirty="0">
-                <a:sym typeface="Wingdings" panose="05000000000000000000" pitchFamily="2" charset="2"/>
-              </a:rPr>
+              <a:rPr lang="en-US" altLang="zh-CN" sz="3600" dirty="0"/>
+              <a:t>RNN</a:t>
+            </a:r>
+            <a:r>
+              <a:rPr lang="zh-CN" altLang="en-US" sz="3600" dirty="0"/>
+              <a:t>去冗余</a:t>
+            </a:r>
+            <a:r>
+              <a:rPr lang="zh-CN" altLang="en-US" sz="2400" dirty="0"/>
               <a:t>：</a:t>
             </a:r>
-            <a:r>
-              <a:rPr lang="zh-CN" altLang="en-US" sz="2400" dirty="0">
-                <a:sym typeface="Wingdings" panose="05000000000000000000" pitchFamily="2" charset="2"/>
-              </a:rPr>
-              <a:t>（</a:t>
-            </a:r>
-            <a:r>
-              <a:rPr lang="en-US" altLang="zh-CN" sz="2400" dirty="0">
-                <a:sym typeface="Wingdings" panose="05000000000000000000" pitchFamily="2" charset="2"/>
-              </a:rPr>
-              <a:t>times-t</a:t>
-            </a:r>
-            <a:r>
-              <a:rPr lang="zh-CN" altLang="en-US" sz="2400" dirty="0">
-                <a:sym typeface="Wingdings" panose="05000000000000000000" pitchFamily="2" charset="2"/>
-              </a:rPr>
-              <a:t>，</a:t>
-            </a:r>
-            <a:r>
-              <a:rPr lang="en-US" altLang="zh-CN" sz="2400" dirty="0">
-                <a:sym typeface="Wingdings" panose="05000000000000000000" pitchFamily="2" charset="2"/>
-              </a:rPr>
-              <a:t>attributes-a</a:t>
-            </a:r>
-            <a:r>
-              <a:rPr lang="zh-CN" altLang="en-US" sz="2400" dirty="0">
-                <a:sym typeface="Wingdings" panose="05000000000000000000" pitchFamily="2" charset="2"/>
-              </a:rPr>
-              <a:t>，</a:t>
-            </a:r>
-            <a:r>
-              <a:rPr lang="en-US" altLang="zh-CN" sz="2400" dirty="0">
-                <a:sym typeface="Wingdings" panose="05000000000000000000" pitchFamily="2" charset="2"/>
-              </a:rPr>
-              <a:t>values-v</a:t>
-            </a:r>
-            <a:r>
-              <a:rPr lang="zh-CN" altLang="en-US" sz="2400" dirty="0">
-                <a:sym typeface="Wingdings" panose="05000000000000000000" pitchFamily="2" charset="2"/>
-              </a:rPr>
-              <a:t>）</a:t>
-            </a:r>
             <a:endParaRPr lang="en-US" altLang="zh-CN" sz="2400" dirty="0"/>
           </a:p>
           <a:p>
-            <a:endParaRPr lang="en-US" altLang="zh-CN" sz="3200" dirty="0"/>
-          </a:p>
-          <a:p>
-            <a:r>
-              <a:rPr lang="en-US" altLang="zh-CN" sz="2800" dirty="0"/>
-              <a:t>rule1</a:t>
-            </a:r>
-            <a:r>
-              <a:rPr lang="zh-CN" altLang="en-US" sz="2800" dirty="0"/>
-              <a:t>：</a:t>
-            </a:r>
-            <a:r>
-              <a:rPr lang="en-US" altLang="zh-CN" sz="2800" dirty="0"/>
-              <a:t>t*a=v</a:t>
-            </a:r>
-            <a:endParaRPr lang="en-US" altLang="zh-CN" sz="2800" dirty="0"/>
+            <a:endParaRPr lang="en-US" altLang="zh-CN" sz="2400" dirty="0"/>
           </a:p>
           <a:p>
             <a:r>
               <a:rPr lang="zh-CN" altLang="en-US" sz="2400" dirty="0"/>
-              <a:t>比如：</a:t>
+              <a:t>发现数据，在含有占比，增加等数据的时候其实是不应该有三元组输出的，我们可以通过</a:t>
             </a:r>
             <a:r>
               <a:rPr lang="en-US" altLang="zh-CN" sz="2400" dirty="0"/>
-              <a:t>n</a:t>
+              <a:t>RNN</a:t>
             </a:r>
             <a:r>
               <a:rPr lang="zh-CN" altLang="en-US" sz="2400" dirty="0"/>
-              <a:t>对</a:t>
+              <a:t>把那些无法列举的词语改变词性，变成无关的词，不参与三元组的输出匹配。</a:t>
+            </a:r>
+            <a:endParaRPr lang="en-US" altLang="zh-CN" sz="2400" dirty="0"/>
+          </a:p>
+          <a:p>
+            <a:endParaRPr lang="en-US" altLang="zh-CN" sz="2400" dirty="0"/>
+          </a:p>
+          <a:p>
+            <a:r>
+              <a:rPr lang="zh-CN" altLang="en-US" sz="2400" dirty="0"/>
+              <a:t>输入</a:t>
             </a:r>
             <a:r>
               <a:rPr lang="en-US" altLang="zh-CN" sz="2400" dirty="0"/>
-              <a:t>1</a:t>
+              <a:t>Index</a:t>
             </a:r>
             <a:r>
               <a:rPr lang="zh-CN" altLang="en-US" sz="2400" dirty="0"/>
-              <a:t>对</a:t>
+              <a:t>，通过使用词嵌入，再进入</a:t>
             </a:r>
             <a:r>
               <a:rPr lang="en-US" altLang="zh-CN" sz="2400" dirty="0"/>
-              <a:t>n</a:t>
+              <a:t>RNN</a:t>
             </a:r>
             <a:r>
               <a:rPr lang="zh-CN" altLang="en-US" sz="2400" dirty="0"/>
-              <a:t>，</a:t>
-            </a:r>
-            <a:r>
-              <a:rPr lang="en-US" altLang="zh-CN" sz="2400" dirty="0"/>
-              <a:t>x</a:t>
-            </a:r>
-            <a:r>
-              <a:rPr lang="zh-CN" altLang="en-US" sz="2400" dirty="0"/>
-              <a:t>年，</a:t>
-            </a:r>
-            <a:r>
-              <a:rPr lang="en-US" altLang="zh-CN" sz="2400" dirty="0"/>
-              <a:t>x</a:t>
-            </a:r>
-            <a:r>
-              <a:rPr lang="zh-CN" altLang="en-US" sz="2400" dirty="0"/>
-              <a:t>年净利润</a:t>
-            </a:r>
-            <a:r>
-              <a:rPr lang="en-US" altLang="zh-CN" sz="2400" dirty="0"/>
-              <a:t>xx</a:t>
-            </a:r>
-            <a:r>
-              <a:rPr lang="zh-CN" altLang="en-US" sz="2400" dirty="0"/>
-              <a:t>亿元，</a:t>
-            </a:r>
-            <a:r>
-              <a:rPr lang="en-US" altLang="zh-CN" sz="2400" dirty="0"/>
-              <a:t>xx</a:t>
-            </a:r>
-            <a:r>
-              <a:rPr lang="zh-CN" altLang="en-US" sz="2400" dirty="0"/>
-              <a:t>亿元</a:t>
-            </a:r>
-            <a:endParaRPr lang="en-US" altLang="zh-CN" sz="2400" dirty="0"/>
-          </a:p>
-          <a:p>
-            <a:endParaRPr lang="en-US" altLang="zh-CN" sz="2800" dirty="0"/>
-          </a:p>
-          <a:p>
-            <a:r>
-              <a:rPr lang="en-US" altLang="zh-CN" sz="2800" dirty="0"/>
-              <a:t>rule2:t=a=v</a:t>
-            </a:r>
-            <a:endParaRPr lang="en-US" altLang="zh-CN" sz="2800" dirty="0"/>
-          </a:p>
-          <a:p>
-            <a:r>
-              <a:rPr lang="zh-CN" altLang="en-US" sz="2400" dirty="0"/>
-              <a:t>比如：</a:t>
-            </a:r>
-            <a:r>
-              <a:rPr lang="en-US" altLang="zh-CN" sz="2400" dirty="0"/>
-              <a:t>n</a:t>
-            </a:r>
-            <a:r>
-              <a:rPr lang="zh-CN" altLang="en-US" sz="2400" dirty="0"/>
-              <a:t>对</a:t>
-            </a:r>
-            <a:r>
-              <a:rPr lang="en-US" altLang="zh-CN" sz="2400" dirty="0"/>
-              <a:t>n</a:t>
-            </a:r>
-            <a:r>
-              <a:rPr lang="zh-CN" altLang="en-US" sz="2400" dirty="0"/>
-              <a:t>对</a:t>
-            </a:r>
-            <a:r>
-              <a:rPr lang="en-US" altLang="zh-CN" sz="2400" dirty="0"/>
-              <a:t>n</a:t>
-            </a:r>
-            <a:r>
-              <a:rPr lang="zh-CN" altLang="en-US" sz="2400" dirty="0"/>
-              <a:t>，</a:t>
-            </a:r>
-            <a:r>
-              <a:rPr lang="en-US" altLang="zh-CN" sz="2400" dirty="0"/>
-              <a:t>x</a:t>
-            </a:r>
-            <a:r>
-              <a:rPr lang="zh-CN" altLang="en-US" sz="2400" dirty="0"/>
-              <a:t>年净利润</a:t>
-            </a:r>
-            <a:r>
-              <a:rPr lang="en-US" altLang="zh-CN" sz="2400" dirty="0"/>
-              <a:t>xx</a:t>
-            </a:r>
-            <a:r>
-              <a:rPr lang="zh-CN" altLang="en-US" sz="2400" dirty="0"/>
-              <a:t>亿元</a:t>
-            </a:r>
-            <a:endParaRPr lang="en-US" altLang="zh-CN" sz="2400" dirty="0"/>
-          </a:p>
-          <a:p>
-            <a:endParaRPr lang="en-US" altLang="zh-CN" sz="2800" dirty="0"/>
-          </a:p>
-          <a:p>
-            <a:r>
-              <a:rPr lang="en-US" altLang="zh-CN" sz="2800" dirty="0"/>
-              <a:t>Other</a:t>
-            </a:r>
-            <a:endParaRPr lang="en-US" altLang="zh-CN" sz="2800" dirty="0"/>
-          </a:p>
-          <a:p>
-            <a:r>
-              <a:rPr lang="en-US" altLang="zh-CN" sz="2800" dirty="0"/>
-              <a:t>…</a:t>
-            </a:r>
-            <a:endParaRPr lang="en-US" altLang="zh-CN" sz="2800" dirty="0"/>
-          </a:p>
-          <a:p>
-            <a:r>
-              <a:rPr lang="zh-CN" altLang="en-US" sz="2800" dirty="0"/>
-              <a:t>（还要完善）</a:t>
-            </a:r>
-            <a:endParaRPr lang="en-US" altLang="zh-CN" sz="2800" dirty="0"/>
+              <a:t>训练，得到新的词性（训练得出的词性概率，选择新的词性），重新得到数据样本，送入下一模块。</a:t>
+            </a:r>
+            <a:endParaRPr lang="zh-CN" altLang="en-US" sz="2400" dirty="0"/>
           </a:p>
         </p:txBody>
       </p:sp>
@@ -6305,39 +6198,36 @@
       </p:grpSpPr>
       <p:sp>
         <p:nvSpPr>
-          <p:cNvPr id="2" name="标题 1"/>
+          <p:cNvPr id="4" name="灯片编号占位符 3"/>
           <p:cNvSpPr>
             <a:spLocks noGrp="1"/>
           </p:cNvSpPr>
           <p:nvPr>
-            <p:ph type="title"/>
+            <p:ph type="sldNum" sz="quarter" idx="12"/>
           </p:nvPr>
         </p:nvSpPr>
         <p:spPr/>
         <p:txBody>
-          <a:bodyPr>
-            <a:noAutofit/>
-          </a:bodyPr>
+          <a:bodyPr/>
           <a:lstStyle/>
           <a:p>
-            <a:r>
-              <a:rPr lang="zh-CN" altLang="en-US" sz="4800" dirty="0"/>
-              <a:t>其他构想</a:t>
-            </a:r>
-            <a:endParaRPr lang="zh-CN" altLang="en-US" sz="4800" dirty="0"/>
-          </a:p>
-        </p:txBody>
-      </p:sp>
-      <p:sp>
-        <p:nvSpPr>
-          <p:cNvPr id="4" name="文本框 3"/>
+            <a:fld id="{5DD3DB80-B894-403A-B48E-6FDC1A72010E}" type="slidenum">
+              <a:rPr lang="zh-CN" altLang="en-US" smtClean="0"/>
+            </a:fld>
+            <a:endParaRPr lang="zh-CN" altLang="en-US"/>
+          </a:p>
+        </p:txBody>
+      </p:sp>
+      <p:sp>
+        <p:nvSpPr>
+          <p:cNvPr id="115" name="文本框 114"/>
           <p:cNvSpPr txBox="1"/>
           <p:nvPr/>
         </p:nvSpPr>
         <p:spPr>
           <a:xfrm>
-            <a:off x="10429874" y="2252306"/>
-            <a:ext cx="886883" cy="1176694"/>
+            <a:off x="2352675" y="1318702"/>
+            <a:ext cx="8215313" cy="4955203"/>
           </a:xfrm>
           <a:prstGeom prst="rect">
             <a:avLst/>
@@ -6345,34 +6235,259 @@
           <a:noFill/>
         </p:spPr>
         <p:txBody>
-          <a:bodyPr wrap="none" rtlCol="0">
-            <a:prstTxWarp prst="textPlain">
-              <a:avLst/>
-            </a:prstTxWarp>
+          <a:bodyPr wrap="square" rtlCol="0">
             <a:spAutoFit/>
           </a:bodyPr>
           <a:lstStyle/>
           <a:p>
             <a:r>
-              <a:rPr lang="en-US" altLang="zh-CN" b="1" dirty="0">
-                <a:solidFill>
-                  <a:schemeClr val="accent1"/>
-                </a:solidFill>
-                <a:latin typeface="Impact" panose="020B0806030902050204" pitchFamily="34" charset="0"/>
-                <a:ea typeface="微软雅黑" panose="020B0503020204020204" pitchFamily="34" charset="-122"/>
+              <a:rPr lang="zh-CN" altLang="en-US" sz="4000" dirty="0"/>
+              <a:t>规则</a:t>
+            </a:r>
+            <a:r>
+              <a:rPr lang="zh-CN" altLang="en-US" sz="3200" dirty="0">
+                <a:sym typeface="Wingdings" panose="05000000000000000000" pitchFamily="2" charset="2"/>
               </a:rPr>
-              <a:t>05</a:t>
-            </a:r>
-            <a:endParaRPr lang="zh-CN" altLang="en-US" b="1" dirty="0">
-              <a:solidFill>
-                <a:schemeClr val="accent1"/>
-              </a:solidFill>
-              <a:latin typeface="Impact" panose="020B0806030902050204" pitchFamily="34" charset="0"/>
-              <a:ea typeface="微软雅黑" panose="020B0503020204020204" pitchFamily="34" charset="-122"/>
-            </a:endParaRPr>
-          </a:p>
-        </p:txBody>
-      </p:sp>
+              <a:t>：</a:t>
+            </a:r>
+            <a:r>
+              <a:rPr lang="zh-CN" altLang="en-US" sz="2400" dirty="0">
+                <a:sym typeface="Wingdings" panose="05000000000000000000" pitchFamily="2" charset="2"/>
+              </a:rPr>
+              <a:t>（</a:t>
+            </a:r>
+            <a:r>
+              <a:rPr lang="en-US" altLang="zh-CN" sz="2400" dirty="0">
+                <a:sym typeface="Wingdings" panose="05000000000000000000" pitchFamily="2" charset="2"/>
+              </a:rPr>
+              <a:t>times-t</a:t>
+            </a:r>
+            <a:r>
+              <a:rPr lang="zh-CN" altLang="en-US" sz="2400" dirty="0">
+                <a:sym typeface="Wingdings" panose="05000000000000000000" pitchFamily="2" charset="2"/>
+              </a:rPr>
+              <a:t>，</a:t>
+            </a:r>
+            <a:r>
+              <a:rPr lang="en-US" altLang="zh-CN" sz="2400" dirty="0">
+                <a:sym typeface="Wingdings" panose="05000000000000000000" pitchFamily="2" charset="2"/>
+              </a:rPr>
+              <a:t>attributes-a</a:t>
+            </a:r>
+            <a:r>
+              <a:rPr lang="zh-CN" altLang="en-US" sz="2400" dirty="0">
+                <a:sym typeface="Wingdings" panose="05000000000000000000" pitchFamily="2" charset="2"/>
+              </a:rPr>
+              <a:t>，</a:t>
+            </a:r>
+            <a:r>
+              <a:rPr lang="en-US" altLang="zh-CN" sz="2400" dirty="0">
+                <a:sym typeface="Wingdings" panose="05000000000000000000" pitchFamily="2" charset="2"/>
+              </a:rPr>
+              <a:t>values-v</a:t>
+            </a:r>
+            <a:r>
+              <a:rPr lang="zh-CN" altLang="en-US" sz="2400" dirty="0">
+                <a:sym typeface="Wingdings" panose="05000000000000000000" pitchFamily="2" charset="2"/>
+              </a:rPr>
+              <a:t>）</a:t>
+            </a:r>
+            <a:endParaRPr lang="en-US" altLang="zh-CN" sz="2400" dirty="0"/>
+          </a:p>
+          <a:p>
+            <a:endParaRPr lang="en-US" altLang="zh-CN" sz="3200" dirty="0"/>
+          </a:p>
+          <a:p>
+            <a:r>
+              <a:rPr lang="en-US" altLang="zh-CN" sz="2800" dirty="0"/>
+              <a:t>rule1</a:t>
+            </a:r>
+            <a:r>
+              <a:rPr lang="zh-CN" altLang="en-US" sz="2800" dirty="0"/>
+              <a:t>：</a:t>
+            </a:r>
+            <a:r>
+              <a:rPr lang="en-US" altLang="zh-CN" sz="2800" dirty="0"/>
+              <a:t>t*a=v</a:t>
+            </a:r>
+            <a:endParaRPr lang="en-US" altLang="zh-CN" sz="2800" dirty="0"/>
+          </a:p>
+          <a:p>
+            <a:r>
+              <a:rPr lang="zh-CN" altLang="en-US" sz="2400" dirty="0"/>
+              <a:t>比如：</a:t>
+            </a:r>
+            <a:r>
+              <a:rPr lang="en-US" altLang="zh-CN" sz="2400" dirty="0"/>
+              <a:t>n</a:t>
+            </a:r>
+            <a:r>
+              <a:rPr lang="zh-CN" altLang="en-US" sz="2400" dirty="0"/>
+              <a:t>对</a:t>
+            </a:r>
+            <a:r>
+              <a:rPr lang="en-US" altLang="zh-CN" sz="2400" dirty="0"/>
+              <a:t>1</a:t>
+            </a:r>
+            <a:r>
+              <a:rPr lang="zh-CN" altLang="en-US" sz="2400" dirty="0"/>
+              <a:t>对</a:t>
+            </a:r>
+            <a:r>
+              <a:rPr lang="en-US" altLang="zh-CN" sz="2400" dirty="0"/>
+              <a:t>n</a:t>
+            </a:r>
+            <a:r>
+              <a:rPr lang="zh-CN" altLang="en-US" sz="2400" dirty="0"/>
+              <a:t>，</a:t>
+            </a:r>
+            <a:r>
+              <a:rPr lang="en-US" altLang="zh-CN" sz="2400" dirty="0"/>
+              <a:t>x</a:t>
+            </a:r>
+            <a:r>
+              <a:rPr lang="zh-CN" altLang="en-US" sz="2400" dirty="0"/>
+              <a:t>年，</a:t>
+            </a:r>
+            <a:r>
+              <a:rPr lang="en-US" altLang="zh-CN" sz="2400" dirty="0"/>
+              <a:t>x</a:t>
+            </a:r>
+            <a:r>
+              <a:rPr lang="zh-CN" altLang="en-US" sz="2400" dirty="0"/>
+              <a:t>年净利润</a:t>
+            </a:r>
+            <a:r>
+              <a:rPr lang="en-US" altLang="zh-CN" sz="2400" dirty="0"/>
+              <a:t>xx</a:t>
+            </a:r>
+            <a:r>
+              <a:rPr lang="zh-CN" altLang="en-US" sz="2400" dirty="0"/>
+              <a:t>亿元，</a:t>
+            </a:r>
+            <a:r>
+              <a:rPr lang="en-US" altLang="zh-CN" sz="2400" dirty="0"/>
+              <a:t>xx</a:t>
+            </a:r>
+            <a:r>
+              <a:rPr lang="zh-CN" altLang="en-US" sz="2400" dirty="0"/>
+              <a:t>亿元</a:t>
+            </a:r>
+            <a:endParaRPr lang="en-US" altLang="zh-CN" sz="2400" dirty="0"/>
+          </a:p>
+          <a:p>
+            <a:endParaRPr lang="en-US" altLang="zh-CN" sz="2800" dirty="0"/>
+          </a:p>
+          <a:p>
+            <a:r>
+              <a:rPr lang="en-US" altLang="zh-CN" sz="2800" dirty="0"/>
+              <a:t>rule2:t=a=v</a:t>
+            </a:r>
+            <a:endParaRPr lang="en-US" altLang="zh-CN" sz="2800" dirty="0"/>
+          </a:p>
+          <a:p>
+            <a:r>
+              <a:rPr lang="zh-CN" altLang="en-US" sz="2400" dirty="0"/>
+              <a:t>比如：</a:t>
+            </a:r>
+            <a:r>
+              <a:rPr lang="en-US" altLang="zh-CN" sz="2400" dirty="0"/>
+              <a:t>n</a:t>
+            </a:r>
+            <a:r>
+              <a:rPr lang="zh-CN" altLang="en-US" sz="2400" dirty="0"/>
+              <a:t>对</a:t>
+            </a:r>
+            <a:r>
+              <a:rPr lang="en-US" altLang="zh-CN" sz="2400" dirty="0"/>
+              <a:t>n</a:t>
+            </a:r>
+            <a:r>
+              <a:rPr lang="zh-CN" altLang="en-US" sz="2400" dirty="0"/>
+              <a:t>对</a:t>
+            </a:r>
+            <a:r>
+              <a:rPr lang="en-US" altLang="zh-CN" sz="2400" dirty="0"/>
+              <a:t>n</a:t>
+            </a:r>
+            <a:r>
+              <a:rPr lang="zh-CN" altLang="en-US" sz="2400" dirty="0"/>
+              <a:t>，</a:t>
+            </a:r>
+            <a:r>
+              <a:rPr lang="en-US" altLang="zh-CN" sz="2400" dirty="0"/>
+              <a:t>x</a:t>
+            </a:r>
+            <a:r>
+              <a:rPr lang="zh-CN" altLang="en-US" sz="2400" dirty="0"/>
+              <a:t>年净利润</a:t>
+            </a:r>
+            <a:r>
+              <a:rPr lang="en-US" altLang="zh-CN" sz="2400" dirty="0"/>
+              <a:t>xx</a:t>
+            </a:r>
+            <a:r>
+              <a:rPr lang="zh-CN" altLang="en-US" sz="2400" dirty="0"/>
+              <a:t>亿元</a:t>
+            </a:r>
+            <a:endParaRPr lang="en-US" altLang="zh-CN" sz="2400" dirty="0"/>
+          </a:p>
+          <a:p>
+            <a:endParaRPr lang="en-US" altLang="zh-CN" sz="2800" dirty="0"/>
+          </a:p>
+          <a:p>
+            <a:r>
+              <a:rPr lang="en-US" altLang="zh-CN" sz="2800" dirty="0"/>
+              <a:t>Other</a:t>
+            </a:r>
+            <a:endParaRPr lang="en-US" altLang="zh-CN" sz="2800" dirty="0"/>
+          </a:p>
+          <a:p>
+            <a:r>
+              <a:rPr lang="en-US" altLang="zh-CN" sz="2800" dirty="0"/>
+              <a:t>…</a:t>
+            </a:r>
+            <a:endParaRPr lang="en-US" altLang="zh-CN" sz="2800" dirty="0"/>
+          </a:p>
+          <a:p>
+            <a:r>
+              <a:rPr lang="zh-CN" altLang="en-US" sz="2800" dirty="0"/>
+              <a:t>（还要完善）</a:t>
+            </a:r>
+            <a:endParaRPr lang="en-US" altLang="zh-CN" sz="2800" dirty="0"/>
+          </a:p>
+        </p:txBody>
+      </p:sp>
+      <p:pic>
+        <p:nvPicPr>
+          <p:cNvPr id="5" name="图片 4"/>
+          <p:cNvPicPr>
+            <a:picLocks noChangeAspect="1"/>
+          </p:cNvPicPr>
+          <p:nvPr/>
+        </p:nvPicPr>
+        <p:blipFill>
+          <a:blip r:embed="rId1">
+            <a:extLst>
+              <a:ext uri="{28A0092B-C50C-407E-A947-70E740481C1C}">
+                <a14:useLocalDpi xmlns:a14="http://schemas.microsoft.com/office/drawing/2010/main" val="0"/>
+              </a:ext>
+            </a:extLst>
+          </a:blip>
+          <a:stretch>
+            <a:fillRect/>
+          </a:stretch>
+        </p:blipFill>
+        <p:spPr>
+          <a:xfrm>
+            <a:off x="420548" y="4897721"/>
+            <a:ext cx="1549678" cy="1728787"/>
+          </a:xfrm>
+          <a:prstGeom prst="rect">
+            <a:avLst/>
+          </a:prstGeom>
+        </p:spPr>
+      </p:pic>
     </p:spTree>
   </p:cSld>
   <p:clrMapOvr>
@@ -6390,6 +6505,101 @@
         <p:cNvGrpSpPr/>
         <p:nvPr/>
       </p:nvGrpSpPr>
+      <p:grpSpPr>
+        <a:xfrm>
+          <a:off x="0" y="0"/>
+          <a:ext cx="0" cy="0"/>
+          <a:chOff x="0" y="0"/>
+          <a:chExt cx="0" cy="0"/>
+        </a:xfrm>
+      </p:grpSpPr>
+      <p:sp>
+        <p:nvSpPr>
+          <p:cNvPr id="2" name="标题 1"/>
+          <p:cNvSpPr>
+            <a:spLocks noGrp="1"/>
+          </p:cNvSpPr>
+          <p:nvPr>
+            <p:ph type="title"/>
+          </p:nvPr>
+        </p:nvSpPr>
+        <p:spPr/>
+        <p:txBody>
+          <a:bodyPr>
+            <a:noAutofit/>
+          </a:bodyPr>
+          <a:lstStyle/>
+          <a:p>
+            <a:r>
+              <a:rPr lang="zh-CN" altLang="en-US" sz="4800" dirty="0"/>
+              <a:t>其他构想</a:t>
+            </a:r>
+            <a:endParaRPr lang="zh-CN" altLang="en-US" sz="4800" dirty="0"/>
+          </a:p>
+        </p:txBody>
+      </p:sp>
+      <p:sp>
+        <p:nvSpPr>
+          <p:cNvPr id="4" name="文本框 3"/>
+          <p:cNvSpPr txBox="1"/>
+          <p:nvPr/>
+        </p:nvSpPr>
+        <p:spPr>
+          <a:xfrm>
+            <a:off x="10429874" y="2252306"/>
+            <a:ext cx="886883" cy="1176694"/>
+          </a:xfrm>
+          <a:prstGeom prst="rect">
+            <a:avLst/>
+          </a:prstGeom>
+          <a:noFill/>
+        </p:spPr>
+        <p:txBody>
+          <a:bodyPr wrap="none" rtlCol="0">
+            <a:prstTxWarp prst="textPlain">
+              <a:avLst/>
+            </a:prstTxWarp>
+            <a:spAutoFit/>
+          </a:bodyPr>
+          <a:lstStyle/>
+          <a:p>
+            <a:r>
+              <a:rPr lang="en-US" altLang="zh-CN" b="1" dirty="0">
+                <a:solidFill>
+                  <a:schemeClr val="accent1"/>
+                </a:solidFill>
+                <a:latin typeface="Impact" panose="020B0806030902050204" pitchFamily="34" charset="0"/>
+                <a:ea typeface="微软雅黑" panose="020B0503020204020204" pitchFamily="34" charset="-122"/>
+              </a:rPr>
+              <a:t>05</a:t>
+            </a:r>
+            <a:endParaRPr lang="zh-CN" altLang="en-US" b="1" dirty="0">
+              <a:solidFill>
+                <a:schemeClr val="accent1"/>
+              </a:solidFill>
+              <a:latin typeface="Impact" panose="020B0806030902050204" pitchFamily="34" charset="0"/>
+              <a:ea typeface="微软雅黑" panose="020B0503020204020204" pitchFamily="34" charset="-122"/>
+            </a:endParaRPr>
+          </a:p>
+        </p:txBody>
+      </p:sp>
+    </p:spTree>
+  </p:cSld>
+  <p:clrMapOvr>
+    <a:masterClrMapping/>
+  </p:clrMapOvr>
+</p:sld>
+</file>
+
+<file path=ppt/slides/slide28.xml><?xml version="1.0" encoding="utf-8"?>
+<p:sld xmlns:a="http://schemas.openxmlformats.org/drawingml/2006/main" xmlns:r="http://schemas.openxmlformats.org/officeDocument/2006/relationships" xmlns:p="http://schemas.openxmlformats.org/presentationml/2006/main">
+  <p:cSld>
+    <p:spTree>
+      <p:nvGrpSpPr>
+        <p:cNvPr id="1" name=""/>
+        <p:cNvGrpSpPr/>
+        <p:nvPr/>
+      </p:nvGrpSpPr>
       <p:grpSpPr/>
       <p:sp>
         <p:nvSpPr>
@@ -6552,7 +6762,7 @@
 </p:sld>
 </file>
 
-<file path=ppt/slides/slide28.xml><?xml version="1.0" encoding="utf-8"?>
+<file path=ppt/slides/slide29.xml><?xml version="1.0" encoding="utf-8"?>
 <p:sld xmlns:a="http://schemas.openxmlformats.org/drawingml/2006/main" xmlns:r="http://schemas.openxmlformats.org/officeDocument/2006/relationships" xmlns:p="http://schemas.openxmlformats.org/presentationml/2006/main">
   <p:cSld>
     <p:spTree>

--- a/10_张丽玮.pptx
+++ b/10_张丽玮.pptx
@@ -29,14 +29,17 @@
     <p:sldId id="346" r:id="rId22"/>
     <p:sldId id="347" r:id="rId23"/>
     <p:sldId id="328" r:id="rId24"/>
-    <p:sldId id="348" r:id="rId25"/>
-    <p:sldId id="275" r:id="rId26"/>
-    <p:sldId id="330" r:id="rId27"/>
-    <p:sldId id="331" r:id="rId28"/>
-    <p:sldId id="332" r:id="rId29"/>
-    <p:sldId id="329" r:id="rId30"/>
-    <p:sldId id="349" r:id="rId31"/>
-    <p:sldId id="261" r:id="rId32"/>
+    <p:sldId id="387" r:id="rId25"/>
+    <p:sldId id="388" r:id="rId26"/>
+    <p:sldId id="389" r:id="rId27"/>
+    <p:sldId id="348" r:id="rId28"/>
+    <p:sldId id="275" r:id="rId29"/>
+    <p:sldId id="330" r:id="rId30"/>
+    <p:sldId id="331" r:id="rId31"/>
+    <p:sldId id="332" r:id="rId32"/>
+    <p:sldId id="329" r:id="rId33"/>
+    <p:sldId id="349" r:id="rId34"/>
+    <p:sldId id="261" r:id="rId35"/>
   </p:sldIdLst>
   <p:sldSz cx="12192000" cy="6858000"/>
   <p:notesSz cx="6858000" cy="9144000"/>
@@ -5592,51 +5595,14 @@
         <p:cNvGrpSpPr/>
         <p:nvPr/>
       </p:nvGrpSpPr>
-      <p:grpSpPr/>
-      <p:sp>
-        <p:nvSpPr>
-          <p:cNvPr id="2" name="标题 1"/>
-          <p:cNvSpPr>
-            <a:spLocks noGrp="1"/>
-          </p:cNvSpPr>
-          <p:nvPr>
-            <p:ph type="title"/>
-          </p:nvPr>
-        </p:nvSpPr>
-        <p:spPr/>
-        <p:txBody>
-          <a:bodyPr/>
-          <a:p>
-            <a:r>
-              <a:rPr lang="zh-CN" altLang="en-US"/>
-              <a:t>基于训练</a:t>
-            </a:r>
-            <a:endParaRPr lang="zh-CN" altLang="en-US"/>
-          </a:p>
-        </p:txBody>
-      </p:sp>
-      <p:sp>
-        <p:nvSpPr>
-          <p:cNvPr id="3" name="页脚占位符 2"/>
-          <p:cNvSpPr>
-            <a:spLocks noGrp="1"/>
-          </p:cNvSpPr>
-          <p:nvPr>
-            <p:ph type="ftr" sz="quarter" idx="11"/>
-          </p:nvPr>
-        </p:nvSpPr>
-        <p:spPr/>
-        <p:txBody>
-          <a:bodyPr/>
-          <a:p>
-            <a:r>
-              <a:rPr lang="en-US" altLang="zh-CN"/>
-              <a:t>www.islide.cc</a:t>
-            </a:r>
-            <a:endParaRPr lang="zh-CN" altLang="en-US" dirty="0"/>
-          </a:p>
-        </p:txBody>
-      </p:sp>
+      <p:grpSpPr>
+        <a:xfrm>
+          <a:off x="0" y="0"/>
+          <a:ext cx="0" cy="0"/>
+          <a:chOff x="0" y="0"/>
+          <a:chExt cx="0" cy="0"/>
+        </a:xfrm>
+      </p:grpSpPr>
       <p:sp>
         <p:nvSpPr>
           <p:cNvPr id="4" name="灯片编号占位符 3"/>
@@ -5650,6 +5616,7 @@
         <p:spPr/>
         <p:txBody>
           <a:bodyPr/>
+          <a:lstStyle/>
           <a:p>
             <a:fld id="{5DD3DB80-B894-403A-B48E-6FDC1A72010E}" type="slidenum">
               <a:rPr lang="zh-CN" altLang="en-US" smtClean="0"/>
@@ -5660,116 +5627,50 @@
       </p:sp>
       <p:sp>
         <p:nvSpPr>
-          <p:cNvPr id="5" name="文本框 4"/>
-          <p:cNvSpPr txBox="1"/>
+          <p:cNvPr id="2" name="标题 1"/>
+          <p:cNvSpPr>
+            <a:spLocks noGrp="1"/>
+          </p:cNvSpPr>
+          <p:nvPr>
+            <p:ph type="title"/>
+          </p:nvPr>
+        </p:nvSpPr>
+        <p:spPr/>
+        <p:txBody>
+          <a:bodyPr/>
+          <a:p>
+            <a:r>
+              <a:rPr lang="zh-CN" altLang="en-US"/>
+              <a:t>基于训练</a:t>
+            </a:r>
+            <a:endParaRPr lang="zh-CN" altLang="en-US"/>
+          </a:p>
+        </p:txBody>
+      </p:sp>
+      <p:pic>
+        <p:nvPicPr>
+          <p:cNvPr id="5" name="图片 4" descr="tsne"/>
+          <p:cNvPicPr>
+            <a:picLocks noChangeAspect="1"/>
+          </p:cNvPicPr>
           <p:nvPr/>
-        </p:nvSpPr>
+        </p:nvPicPr>
+        <p:blipFill>
+          <a:blip r:embed="rId1"/>
+          <a:stretch>
+            <a:fillRect/>
+          </a:stretch>
+        </p:blipFill>
         <p:spPr>
           <a:xfrm>
-            <a:off x="1914525" y="1325880"/>
-            <a:ext cx="8111490" cy="3291840"/>
+            <a:off x="2228215" y="-92075"/>
+            <a:ext cx="7736205" cy="7736205"/>
           </a:xfrm>
           <a:prstGeom prst="rect">
             <a:avLst/>
           </a:prstGeom>
-          <a:noFill/>
         </p:spPr>
-        <p:txBody>
-          <a:bodyPr wrap="square" rtlCol="0">
-            <a:spAutoFit/>
-          </a:bodyPr>
-          <a:p>
-            <a:pPr algn="l"/>
-            <a:r>
-              <a:rPr lang="zh-CN" altLang="en-US" sz="2000"/>
-              <a:t>问题：</a:t>
-            </a:r>
-            <a:endParaRPr lang="zh-CN" altLang="en-US" sz="2000"/>
-          </a:p>
-          <a:p>
-            <a:pPr algn="l"/>
-            <a:r>
-              <a:rPr lang="en-US" altLang="zh-CN" sz="2000"/>
-              <a:t>1</a:t>
-            </a:r>
-            <a:r>
-              <a:rPr lang="zh-CN" altLang="en-US" sz="2000"/>
-              <a:t>、目前模型还没有细化，单向</a:t>
-            </a:r>
-            <a:r>
-              <a:rPr lang="en-US" altLang="zh-CN" sz="2000"/>
-              <a:t>RNN</a:t>
-            </a:r>
-            <a:r>
-              <a:rPr lang="zh-CN" altLang="en-US" sz="2000"/>
-              <a:t>的准确率是否不够高？</a:t>
-            </a:r>
-            <a:endParaRPr lang="zh-CN" altLang="en-US" sz="2000"/>
-          </a:p>
-          <a:p>
-            <a:pPr algn="l"/>
-            <a:r>
-              <a:rPr lang="zh-CN" altLang="en-US" sz="2000"/>
-              <a:t>应该会考虑采用双向</a:t>
-            </a:r>
-            <a:r>
-              <a:rPr lang="en-US" altLang="zh-CN" sz="2000"/>
-              <a:t>RNN</a:t>
-            </a:r>
-            <a:r>
-              <a:rPr lang="zh-CN" altLang="en-US" sz="2000"/>
-              <a:t>，是否还有其他更好的方法？</a:t>
-            </a:r>
-            <a:endParaRPr lang="en-US" altLang="zh-CN" sz="2000"/>
-          </a:p>
-          <a:p>
-            <a:pPr algn="l"/>
-            <a:endParaRPr lang="en-US" altLang="zh-CN" sz="2000"/>
-          </a:p>
-          <a:p>
-            <a:pPr algn="l"/>
-            <a:r>
-              <a:rPr lang="en-US" altLang="zh-CN" sz="2000"/>
-              <a:t>2</a:t>
-            </a:r>
-            <a:r>
-              <a:rPr lang="zh-CN" altLang="en-US" sz="2000"/>
-              <a:t>、词嵌入有两种选择：用已经预训练好的词库，和自己进行训练将训练好的词向量传入。然后去选取准确率更高的方式</a:t>
-            </a:r>
-            <a:endParaRPr lang="zh-CN" altLang="en-US" sz="2000"/>
-          </a:p>
-          <a:p>
-            <a:pPr algn="l"/>
-            <a:endParaRPr lang="zh-CN" altLang="en-US" sz="2000"/>
-          </a:p>
-          <a:p>
-            <a:pPr algn="l"/>
-            <a:r>
-              <a:rPr lang="en-US" altLang="zh-CN" sz="2000"/>
-              <a:t>3</a:t>
-            </a:r>
-            <a:r>
-              <a:rPr lang="zh-CN" altLang="en-US" sz="2000"/>
-              <a:t>、需要</a:t>
-            </a:r>
-            <a:r>
-              <a:rPr lang="en-US" altLang="zh-CN" sz="2000"/>
-              <a:t>RNN</a:t>
-            </a:r>
-            <a:r>
-              <a:rPr lang="zh-CN" altLang="en-US" sz="2000"/>
-              <a:t>部分和规则部分的准确率都很高才能保证最终的结果良好</a:t>
-            </a:r>
-            <a:endParaRPr lang="zh-CN" altLang="en-US" sz="2400"/>
-          </a:p>
-          <a:p>
-            <a:endParaRPr lang="zh-CN" altLang="en-US" sz="2400"/>
-          </a:p>
-          <a:p>
-            <a:endParaRPr lang="zh-CN" altLang="en-US" sz="2400"/>
-          </a:p>
-        </p:txBody>
-      </p:sp>
+      </p:pic>
     </p:spTree>
   </p:cSld>
   <p:clrMapOvr>
@@ -5797,6 +5698,431 @@
       </p:grpSpPr>
       <p:sp>
         <p:nvSpPr>
+          <p:cNvPr id="4" name="灯片编号占位符 3"/>
+          <p:cNvSpPr>
+            <a:spLocks noGrp="1"/>
+          </p:cNvSpPr>
+          <p:nvPr>
+            <p:ph type="sldNum" sz="quarter" idx="12"/>
+          </p:nvPr>
+        </p:nvSpPr>
+        <p:spPr/>
+        <p:txBody>
+          <a:bodyPr/>
+          <a:lstStyle/>
+          <a:p>
+            <a:fld id="{5DD3DB80-B894-403A-B48E-6FDC1A72010E}" type="slidenum">
+              <a:rPr lang="zh-CN" altLang="en-US" smtClean="0"/>
+            </a:fld>
+            <a:endParaRPr lang="zh-CN" altLang="en-US"/>
+          </a:p>
+        </p:txBody>
+      </p:sp>
+      <p:sp>
+        <p:nvSpPr>
+          <p:cNvPr id="2" name="标题 1"/>
+          <p:cNvSpPr>
+            <a:spLocks noGrp="1"/>
+          </p:cNvSpPr>
+          <p:nvPr>
+            <p:ph type="title"/>
+          </p:nvPr>
+        </p:nvSpPr>
+        <p:spPr/>
+        <p:txBody>
+          <a:bodyPr/>
+          <a:p>
+            <a:r>
+              <a:rPr lang="zh-CN" altLang="en-US"/>
+              <a:t>基于训练</a:t>
+            </a:r>
+            <a:endParaRPr lang="zh-CN" altLang="en-US"/>
+          </a:p>
+        </p:txBody>
+      </p:sp>
+      <p:pic>
+        <p:nvPicPr>
+          <p:cNvPr id="3" name="图片 2"/>
+          <p:cNvPicPr>
+            <a:picLocks noChangeAspect="1"/>
+          </p:cNvPicPr>
+          <p:nvPr/>
+        </p:nvPicPr>
+        <p:blipFill>
+          <a:blip r:embed="rId1"/>
+          <a:stretch>
+            <a:fillRect/>
+          </a:stretch>
+        </p:blipFill>
+        <p:spPr>
+          <a:xfrm>
+            <a:off x="3657600" y="1504315"/>
+            <a:ext cx="5116195" cy="3546475"/>
+          </a:xfrm>
+          <a:prstGeom prst="rect">
+            <a:avLst/>
+          </a:prstGeom>
+        </p:spPr>
+      </p:pic>
+    </p:spTree>
+  </p:cSld>
+  <p:clrMapOvr>
+    <a:masterClrMapping/>
+  </p:clrMapOvr>
+</p:sld>
+</file>
+
+<file path=ppt/slides/slide24.xml><?xml version="1.0" encoding="utf-8"?>
+<p:sld xmlns:a="http://schemas.openxmlformats.org/drawingml/2006/main" xmlns:r="http://schemas.openxmlformats.org/officeDocument/2006/relationships" xmlns:p="http://schemas.openxmlformats.org/presentationml/2006/main">
+  <p:cSld>
+    <p:spTree>
+      <p:nvGrpSpPr>
+        <p:cNvPr id="1" name=""/>
+        <p:cNvGrpSpPr/>
+        <p:nvPr/>
+      </p:nvGrpSpPr>
+      <p:grpSpPr>
+        <a:xfrm>
+          <a:off x="0" y="0"/>
+          <a:ext cx="0" cy="0"/>
+          <a:chOff x="0" y="0"/>
+          <a:chExt cx="0" cy="0"/>
+        </a:xfrm>
+      </p:grpSpPr>
+      <p:sp>
+        <p:nvSpPr>
+          <p:cNvPr id="4" name="灯片编号占位符 3"/>
+          <p:cNvSpPr>
+            <a:spLocks noGrp="1"/>
+          </p:cNvSpPr>
+          <p:nvPr>
+            <p:ph type="sldNum" sz="quarter" idx="12"/>
+          </p:nvPr>
+        </p:nvSpPr>
+        <p:spPr/>
+        <p:txBody>
+          <a:bodyPr/>
+          <a:lstStyle/>
+          <a:p>
+            <a:fld id="{5DD3DB80-B894-403A-B48E-6FDC1A72010E}" type="slidenum">
+              <a:rPr lang="zh-CN" altLang="en-US" smtClean="0"/>
+            </a:fld>
+            <a:endParaRPr lang="zh-CN" altLang="en-US"/>
+          </a:p>
+        </p:txBody>
+      </p:sp>
+      <p:sp>
+        <p:nvSpPr>
+          <p:cNvPr id="2" name="标题 1"/>
+          <p:cNvSpPr>
+            <a:spLocks noGrp="1"/>
+          </p:cNvSpPr>
+          <p:nvPr>
+            <p:ph type="title"/>
+          </p:nvPr>
+        </p:nvSpPr>
+        <p:spPr/>
+        <p:txBody>
+          <a:bodyPr/>
+          <a:p>
+            <a:r>
+              <a:rPr lang="zh-CN" altLang="en-US"/>
+              <a:t>基于训练</a:t>
+            </a:r>
+            <a:endParaRPr lang="zh-CN" altLang="en-US"/>
+          </a:p>
+        </p:txBody>
+      </p:sp>
+      <p:pic>
+        <p:nvPicPr>
+          <p:cNvPr id="5" name="图片 4" descr="R9%~OBWAK0(JUQIDZWA$2HO"/>
+          <p:cNvPicPr>
+            <a:picLocks noChangeAspect="1"/>
+          </p:cNvPicPr>
+          <p:nvPr/>
+        </p:nvPicPr>
+        <p:blipFill>
+          <a:blip r:embed="rId1"/>
+          <a:stretch>
+            <a:fillRect/>
+          </a:stretch>
+        </p:blipFill>
+        <p:spPr>
+          <a:xfrm>
+            <a:off x="1066800" y="1139190"/>
+            <a:ext cx="10058400" cy="4578985"/>
+          </a:xfrm>
+          <a:prstGeom prst="rect">
+            <a:avLst/>
+          </a:prstGeom>
+        </p:spPr>
+      </p:pic>
+    </p:spTree>
+  </p:cSld>
+  <p:clrMapOvr>
+    <a:masterClrMapping/>
+  </p:clrMapOvr>
+</p:sld>
+</file>
+
+<file path=ppt/slides/slide25.xml><?xml version="1.0" encoding="utf-8"?>
+<p:sld xmlns:a="http://schemas.openxmlformats.org/drawingml/2006/main" xmlns:r="http://schemas.openxmlformats.org/officeDocument/2006/relationships" xmlns:p="http://schemas.openxmlformats.org/presentationml/2006/main">
+  <p:cSld>
+    <p:spTree>
+      <p:nvGrpSpPr>
+        <p:cNvPr id="1" name=""/>
+        <p:cNvGrpSpPr/>
+        <p:nvPr/>
+      </p:nvGrpSpPr>
+      <p:grpSpPr/>
+      <p:sp>
+        <p:nvSpPr>
+          <p:cNvPr id="2" name="标题 1"/>
+          <p:cNvSpPr>
+            <a:spLocks noGrp="1"/>
+          </p:cNvSpPr>
+          <p:nvPr>
+            <p:ph type="title"/>
+          </p:nvPr>
+        </p:nvSpPr>
+        <p:spPr/>
+        <p:txBody>
+          <a:bodyPr/>
+          <a:p>
+            <a:r>
+              <a:rPr lang="zh-CN" altLang="en-US"/>
+              <a:t>基于训练</a:t>
+            </a:r>
+            <a:endParaRPr lang="zh-CN" altLang="en-US"/>
+          </a:p>
+        </p:txBody>
+      </p:sp>
+      <p:sp>
+        <p:nvSpPr>
+          <p:cNvPr id="3" name="页脚占位符 2"/>
+          <p:cNvSpPr>
+            <a:spLocks noGrp="1"/>
+          </p:cNvSpPr>
+          <p:nvPr>
+            <p:ph type="ftr" sz="quarter" idx="11"/>
+          </p:nvPr>
+        </p:nvSpPr>
+        <p:spPr/>
+        <p:txBody>
+          <a:bodyPr/>
+          <a:p>
+            <a:r>
+              <a:rPr lang="en-US" altLang="zh-CN"/>
+              <a:t>www.islide.cc</a:t>
+            </a:r>
+            <a:endParaRPr lang="zh-CN" altLang="en-US" dirty="0"/>
+          </a:p>
+        </p:txBody>
+      </p:sp>
+      <p:sp>
+        <p:nvSpPr>
+          <p:cNvPr id="4" name="灯片编号占位符 3"/>
+          <p:cNvSpPr>
+            <a:spLocks noGrp="1"/>
+          </p:cNvSpPr>
+          <p:nvPr>
+            <p:ph type="sldNum" sz="quarter" idx="12"/>
+          </p:nvPr>
+        </p:nvSpPr>
+        <p:spPr/>
+        <p:txBody>
+          <a:bodyPr/>
+          <a:p>
+            <a:fld id="{5DD3DB80-B894-403A-B48E-6FDC1A72010E}" type="slidenum">
+              <a:rPr lang="zh-CN" altLang="en-US" smtClean="0"/>
+            </a:fld>
+            <a:endParaRPr lang="zh-CN" altLang="en-US"/>
+          </a:p>
+        </p:txBody>
+      </p:sp>
+      <p:sp>
+        <p:nvSpPr>
+          <p:cNvPr id="5" name="文本框 4"/>
+          <p:cNvSpPr txBox="1"/>
+          <p:nvPr/>
+        </p:nvSpPr>
+        <p:spPr>
+          <a:xfrm>
+            <a:off x="1914525" y="1325880"/>
+            <a:ext cx="8111490" cy="4523105"/>
+          </a:xfrm>
+          <a:prstGeom prst="rect">
+            <a:avLst/>
+          </a:prstGeom>
+          <a:noFill/>
+        </p:spPr>
+        <p:txBody>
+          <a:bodyPr wrap="square" rtlCol="0">
+            <a:spAutoFit/>
+          </a:bodyPr>
+          <a:p>
+            <a:pPr algn="l"/>
+            <a:r>
+              <a:rPr lang="zh-CN" altLang="en-US" sz="2000"/>
+              <a:t>问题：</a:t>
+            </a:r>
+            <a:endParaRPr lang="zh-CN" altLang="en-US" sz="2000"/>
+          </a:p>
+          <a:p>
+            <a:pPr algn="l"/>
+            <a:r>
+              <a:rPr lang="en-US" altLang="zh-CN" sz="2000"/>
+              <a:t>1</a:t>
+            </a:r>
+            <a:r>
+              <a:rPr lang="zh-CN" altLang="en-US" sz="2000"/>
+              <a:t>、目前模型还没有细化，单向</a:t>
+            </a:r>
+            <a:r>
+              <a:rPr lang="en-US" altLang="zh-CN" sz="2000"/>
+              <a:t>RNN</a:t>
+            </a:r>
+            <a:r>
+              <a:rPr lang="zh-CN" altLang="en-US" sz="2000"/>
+              <a:t>的准确率是否不够高？</a:t>
+            </a:r>
+            <a:endParaRPr lang="zh-CN" altLang="en-US" sz="2000"/>
+          </a:p>
+          <a:p>
+            <a:pPr algn="l"/>
+            <a:r>
+              <a:rPr lang="zh-CN" altLang="en-US" sz="2000"/>
+              <a:t>应该会考虑采用双向</a:t>
+            </a:r>
+            <a:r>
+              <a:rPr lang="en-US" altLang="zh-CN" sz="2000"/>
+              <a:t>RNN</a:t>
+            </a:r>
+            <a:r>
+              <a:rPr lang="zh-CN" altLang="en-US" sz="2000"/>
+              <a:t>，是否还有其他更好的方法？</a:t>
+            </a:r>
+            <a:endParaRPr lang="en-US" altLang="zh-CN" sz="2000"/>
+          </a:p>
+          <a:p>
+            <a:pPr algn="l"/>
+            <a:endParaRPr lang="en-US" altLang="zh-CN" sz="2000"/>
+          </a:p>
+          <a:p>
+            <a:pPr algn="l"/>
+            <a:r>
+              <a:rPr lang="en-US" altLang="zh-CN" sz="2000"/>
+              <a:t>2</a:t>
+            </a:r>
+            <a:r>
+              <a:rPr lang="zh-CN" altLang="en-US" sz="2000"/>
+              <a:t>、词嵌入有两种选择：用已经预训练好的词库，和自己进行训练将训练好的词向量传入。然后去选取准确率更高的方式</a:t>
+            </a:r>
+            <a:endParaRPr lang="zh-CN" altLang="en-US" sz="2000"/>
+          </a:p>
+          <a:p>
+            <a:pPr algn="l"/>
+            <a:r>
+              <a:rPr lang="zh-CN" altLang="en-US" sz="2000"/>
+              <a:t>但是现在我训练出来之后很难自己进行一个评估，由于这两个的训练方式不一样，人工比对也比较困难</a:t>
+            </a:r>
+            <a:endParaRPr lang="zh-CN" altLang="en-US" sz="2000"/>
+          </a:p>
+          <a:p>
+            <a:pPr algn="l"/>
+            <a:r>
+              <a:rPr lang="en-US" altLang="zh-CN" sz="2000"/>
+              <a:t>gensim</a:t>
+            </a:r>
+            <a:r>
+              <a:rPr lang="zh-CN" altLang="en-US" sz="2000"/>
+              <a:t>的训练非常快速，但是我基本没有调整的余地；</a:t>
+            </a:r>
+            <a:r>
+              <a:rPr lang="en-US" altLang="zh-CN" sz="2000"/>
+              <a:t>tensorflow</a:t>
+            </a:r>
+            <a:r>
+              <a:rPr lang="zh-CN" altLang="en-US" sz="2000"/>
+              <a:t>我要开满</a:t>
+            </a:r>
+            <a:r>
+              <a:rPr lang="en-US" altLang="zh-CN" sz="2000"/>
+              <a:t>cpu</a:t>
+            </a:r>
+            <a:r>
+              <a:rPr lang="zh-CN" altLang="en-US" sz="2000"/>
+              <a:t>跑大约</a:t>
+            </a:r>
+            <a:r>
+              <a:rPr lang="en-US" altLang="zh-CN" sz="2000"/>
+              <a:t>15min</a:t>
+            </a:r>
+            <a:r>
+              <a:rPr lang="zh-CN" altLang="en-US" sz="2000"/>
+              <a:t>，不过可以调整参数</a:t>
+            </a:r>
+            <a:endParaRPr lang="zh-CN" altLang="en-US" sz="2000"/>
+          </a:p>
+          <a:p>
+            <a:pPr algn="l"/>
+            <a:endParaRPr lang="zh-CN" altLang="en-US" sz="2000"/>
+          </a:p>
+          <a:p>
+            <a:pPr algn="l"/>
+            <a:r>
+              <a:rPr lang="en-US" altLang="zh-CN" sz="2000"/>
+              <a:t>3</a:t>
+            </a:r>
+            <a:r>
+              <a:rPr lang="zh-CN" altLang="en-US" sz="2000"/>
+              <a:t>、需要</a:t>
+            </a:r>
+            <a:r>
+              <a:rPr lang="en-US" altLang="zh-CN" sz="2000"/>
+              <a:t>RNN</a:t>
+            </a:r>
+            <a:r>
+              <a:rPr lang="zh-CN" altLang="en-US" sz="2000"/>
+              <a:t>部分和规则部分的准确率都很高才能保证最终的结果良好</a:t>
+            </a:r>
+            <a:endParaRPr lang="zh-CN" altLang="en-US" sz="2400"/>
+          </a:p>
+          <a:p>
+            <a:endParaRPr lang="zh-CN" altLang="en-US" sz="2400"/>
+          </a:p>
+          <a:p>
+            <a:endParaRPr lang="zh-CN" altLang="en-US" sz="2400"/>
+          </a:p>
+        </p:txBody>
+      </p:sp>
+    </p:spTree>
+  </p:cSld>
+  <p:clrMapOvr>
+    <a:masterClrMapping/>
+  </p:clrMapOvr>
+</p:sld>
+</file>
+
+<file path=ppt/slides/slide26.xml><?xml version="1.0" encoding="utf-8"?>
+<p:sld xmlns:a="http://schemas.openxmlformats.org/drawingml/2006/main" xmlns:r="http://schemas.openxmlformats.org/officeDocument/2006/relationships" xmlns:p="http://schemas.openxmlformats.org/presentationml/2006/main">
+  <p:cSld>
+    <p:spTree>
+      <p:nvGrpSpPr>
+        <p:cNvPr id="1" name=""/>
+        <p:cNvGrpSpPr/>
+        <p:nvPr/>
+      </p:nvGrpSpPr>
+      <p:grpSpPr>
+        <a:xfrm>
+          <a:off x="0" y="0"/>
+          <a:ext cx="0" cy="0"/>
+          <a:chOff x="0" y="0"/>
+          <a:chExt cx="0" cy="0"/>
+        </a:xfrm>
+      </p:grpSpPr>
+      <p:sp>
+        <p:nvSpPr>
           <p:cNvPr id="2" name="标题 1"/>
           <p:cNvSpPr>
             <a:spLocks noGrp="1"/>
@@ -5873,7 +6199,7 @@
 </p:sld>
 </file>
 
-<file path=ppt/slides/slide24.xml><?xml version="1.0" encoding="utf-8"?>
+<file path=ppt/slides/slide27.xml><?xml version="1.0" encoding="utf-8"?>
 <p:sld xmlns:a="http://schemas.openxmlformats.org/drawingml/2006/main" xmlns:r="http://schemas.openxmlformats.org/officeDocument/2006/relationships" xmlns:p="http://schemas.openxmlformats.org/presentationml/2006/main">
   <p:cSld>
     <p:spTree>
@@ -6020,7 +6346,7 @@
 </p:sld>
 </file>
 
-<file path=ppt/slides/slide25.xml><?xml version="1.0" encoding="utf-8"?>
+<file path=ppt/slides/slide28.xml><?xml version="1.0" encoding="utf-8"?>
 <p:sld xmlns:a="http://schemas.openxmlformats.org/drawingml/2006/main" xmlns:r="http://schemas.openxmlformats.org/officeDocument/2006/relationships" xmlns:p="http://schemas.openxmlformats.org/presentationml/2006/main">
   <p:cSld>
     <p:spTree>
@@ -6179,7 +6505,7 @@
 </p:sld>
 </file>
 
-<file path=ppt/slides/slide26.xml><?xml version="1.0" encoding="utf-8"?>
+<file path=ppt/slides/slide29.xml><?xml version="1.0" encoding="utf-8"?>
 <p:sld xmlns:a="http://schemas.openxmlformats.org/drawingml/2006/main" xmlns:r="http://schemas.openxmlformats.org/officeDocument/2006/relationships" xmlns:p="http://schemas.openxmlformats.org/presentationml/2006/main">
   <p:cSld>
     <p:spTree>
@@ -6496,7 +6822,7 @@
 </p:sld>
 </file>
 
-<file path=ppt/slides/slide27.xml><?xml version="1.0" encoding="utf-8"?>
+<file path=ppt/slides/slide3.xml><?xml version="1.0" encoding="utf-8"?>
 <p:sld xmlns:a="http://schemas.openxmlformats.org/drawingml/2006/main" xmlns:r="http://schemas.openxmlformats.org/officeDocument/2006/relationships" xmlns:p="http://schemas.openxmlformats.org/presentationml/2006/main">
   <p:cSld>
     <p:spTree>
@@ -6532,7 +6858,7 @@
           <a:p>
             <a:r>
               <a:rPr lang="zh-CN" altLang="en-US" sz="4800" dirty="0"/>
-              <a:t>其他构想</a:t>
+              <a:t>任务描述</a:t>
             </a:r>
             <a:endParaRPr lang="zh-CN" altLang="en-US" sz="4800" dirty="0"/>
           </a:p>
@@ -6571,7 +6897,7 @@
                 <a:latin typeface="Impact" panose="020B0806030902050204" pitchFamily="34" charset="0"/>
                 <a:ea typeface="微软雅黑" panose="020B0503020204020204" pitchFamily="34" charset="-122"/>
               </a:rPr>
-              <a:t>05</a:t>
+              <a:t>01</a:t>
             </a:r>
             <a:endParaRPr lang="zh-CN" altLang="en-US" b="1" dirty="0">
               <a:solidFill>
@@ -6591,7 +6917,102 @@
 </p:sld>
 </file>
 
-<file path=ppt/slides/slide28.xml><?xml version="1.0" encoding="utf-8"?>
+<file path=ppt/slides/slide30.xml><?xml version="1.0" encoding="utf-8"?>
+<p:sld xmlns:a="http://schemas.openxmlformats.org/drawingml/2006/main" xmlns:r="http://schemas.openxmlformats.org/officeDocument/2006/relationships" xmlns:p="http://schemas.openxmlformats.org/presentationml/2006/main">
+  <p:cSld>
+    <p:spTree>
+      <p:nvGrpSpPr>
+        <p:cNvPr id="1" name=""/>
+        <p:cNvGrpSpPr/>
+        <p:nvPr/>
+      </p:nvGrpSpPr>
+      <p:grpSpPr>
+        <a:xfrm>
+          <a:off x="0" y="0"/>
+          <a:ext cx="0" cy="0"/>
+          <a:chOff x="0" y="0"/>
+          <a:chExt cx="0" cy="0"/>
+        </a:xfrm>
+      </p:grpSpPr>
+      <p:sp>
+        <p:nvSpPr>
+          <p:cNvPr id="2" name="标题 1"/>
+          <p:cNvSpPr>
+            <a:spLocks noGrp="1"/>
+          </p:cNvSpPr>
+          <p:nvPr>
+            <p:ph type="title"/>
+          </p:nvPr>
+        </p:nvSpPr>
+        <p:spPr/>
+        <p:txBody>
+          <a:bodyPr>
+            <a:noAutofit/>
+          </a:bodyPr>
+          <a:lstStyle/>
+          <a:p>
+            <a:r>
+              <a:rPr lang="zh-CN" altLang="en-US" sz="4800" dirty="0"/>
+              <a:t>其他构想</a:t>
+            </a:r>
+            <a:endParaRPr lang="zh-CN" altLang="en-US" sz="4800" dirty="0"/>
+          </a:p>
+        </p:txBody>
+      </p:sp>
+      <p:sp>
+        <p:nvSpPr>
+          <p:cNvPr id="4" name="文本框 3"/>
+          <p:cNvSpPr txBox="1"/>
+          <p:nvPr/>
+        </p:nvSpPr>
+        <p:spPr>
+          <a:xfrm>
+            <a:off x="10429874" y="2252306"/>
+            <a:ext cx="886883" cy="1176694"/>
+          </a:xfrm>
+          <a:prstGeom prst="rect">
+            <a:avLst/>
+          </a:prstGeom>
+          <a:noFill/>
+        </p:spPr>
+        <p:txBody>
+          <a:bodyPr wrap="none" rtlCol="0">
+            <a:prstTxWarp prst="textPlain">
+              <a:avLst/>
+            </a:prstTxWarp>
+            <a:spAutoFit/>
+          </a:bodyPr>
+          <a:lstStyle/>
+          <a:p>
+            <a:r>
+              <a:rPr lang="en-US" altLang="zh-CN" b="1" dirty="0">
+                <a:solidFill>
+                  <a:schemeClr val="accent1"/>
+                </a:solidFill>
+                <a:latin typeface="Impact" panose="020B0806030902050204" pitchFamily="34" charset="0"/>
+                <a:ea typeface="微软雅黑" panose="020B0503020204020204" pitchFamily="34" charset="-122"/>
+              </a:rPr>
+              <a:t>05</a:t>
+            </a:r>
+            <a:endParaRPr lang="zh-CN" altLang="en-US" b="1" dirty="0">
+              <a:solidFill>
+                <a:schemeClr val="accent1"/>
+              </a:solidFill>
+              <a:latin typeface="Impact" panose="020B0806030902050204" pitchFamily="34" charset="0"/>
+              <a:ea typeface="微软雅黑" panose="020B0503020204020204" pitchFamily="34" charset="-122"/>
+            </a:endParaRPr>
+          </a:p>
+        </p:txBody>
+      </p:sp>
+    </p:spTree>
+  </p:cSld>
+  <p:clrMapOvr>
+    <a:masterClrMapping/>
+  </p:clrMapOvr>
+</p:sld>
+</file>
+
+<file path=ppt/slides/slide31.xml><?xml version="1.0" encoding="utf-8"?>
 <p:sld xmlns:a="http://schemas.openxmlformats.org/drawingml/2006/main" xmlns:r="http://schemas.openxmlformats.org/officeDocument/2006/relationships" xmlns:p="http://schemas.openxmlformats.org/presentationml/2006/main">
   <p:cSld>
     <p:spTree>
@@ -6762,7 +7183,7 @@
 </p:sld>
 </file>
 
-<file path=ppt/slides/slide29.xml><?xml version="1.0" encoding="utf-8"?>
+<file path=ppt/slides/slide32.xml><?xml version="1.0" encoding="utf-8"?>
 <p:sld xmlns:a="http://schemas.openxmlformats.org/drawingml/2006/main" xmlns:r="http://schemas.openxmlformats.org/officeDocument/2006/relationships" xmlns:p="http://schemas.openxmlformats.org/presentationml/2006/main">
   <p:cSld>
     <p:spTree>
@@ -6924,101 +7345,6 @@
           </a:fontRef>
         </p:style>
       </p:cxnSp>
-    </p:spTree>
-  </p:cSld>
-  <p:clrMapOvr>
-    <a:masterClrMapping/>
-  </p:clrMapOvr>
-</p:sld>
-</file>
-
-<file path=ppt/slides/slide3.xml><?xml version="1.0" encoding="utf-8"?>
-<p:sld xmlns:a="http://schemas.openxmlformats.org/drawingml/2006/main" xmlns:r="http://schemas.openxmlformats.org/officeDocument/2006/relationships" xmlns:p="http://schemas.openxmlformats.org/presentationml/2006/main">
-  <p:cSld>
-    <p:spTree>
-      <p:nvGrpSpPr>
-        <p:cNvPr id="1" name=""/>
-        <p:cNvGrpSpPr/>
-        <p:nvPr/>
-      </p:nvGrpSpPr>
-      <p:grpSpPr>
-        <a:xfrm>
-          <a:off x="0" y="0"/>
-          <a:ext cx="0" cy="0"/>
-          <a:chOff x="0" y="0"/>
-          <a:chExt cx="0" cy="0"/>
-        </a:xfrm>
-      </p:grpSpPr>
-      <p:sp>
-        <p:nvSpPr>
-          <p:cNvPr id="2" name="标题 1"/>
-          <p:cNvSpPr>
-            <a:spLocks noGrp="1"/>
-          </p:cNvSpPr>
-          <p:nvPr>
-            <p:ph type="title"/>
-          </p:nvPr>
-        </p:nvSpPr>
-        <p:spPr/>
-        <p:txBody>
-          <a:bodyPr>
-            <a:noAutofit/>
-          </a:bodyPr>
-          <a:lstStyle/>
-          <a:p>
-            <a:r>
-              <a:rPr lang="zh-CN" altLang="en-US" sz="4800" dirty="0"/>
-              <a:t>任务描述</a:t>
-            </a:r>
-            <a:endParaRPr lang="zh-CN" altLang="en-US" sz="4800" dirty="0"/>
-          </a:p>
-        </p:txBody>
-      </p:sp>
-      <p:sp>
-        <p:nvSpPr>
-          <p:cNvPr id="4" name="文本框 3"/>
-          <p:cNvSpPr txBox="1"/>
-          <p:nvPr/>
-        </p:nvSpPr>
-        <p:spPr>
-          <a:xfrm>
-            <a:off x="10429874" y="2252306"/>
-            <a:ext cx="886883" cy="1176694"/>
-          </a:xfrm>
-          <a:prstGeom prst="rect">
-            <a:avLst/>
-          </a:prstGeom>
-          <a:noFill/>
-        </p:spPr>
-        <p:txBody>
-          <a:bodyPr wrap="none" rtlCol="0">
-            <a:prstTxWarp prst="textPlain">
-              <a:avLst/>
-            </a:prstTxWarp>
-            <a:spAutoFit/>
-          </a:bodyPr>
-          <a:lstStyle/>
-          <a:p>
-            <a:r>
-              <a:rPr lang="en-US" altLang="zh-CN" b="1" dirty="0">
-                <a:solidFill>
-                  <a:schemeClr val="accent1"/>
-                </a:solidFill>
-                <a:latin typeface="Impact" panose="020B0806030902050204" pitchFamily="34" charset="0"/>
-                <a:ea typeface="微软雅黑" panose="020B0503020204020204" pitchFamily="34" charset="-122"/>
-              </a:rPr>
-              <a:t>01</a:t>
-            </a:r>
-            <a:endParaRPr lang="zh-CN" altLang="en-US" b="1" dirty="0">
-              <a:solidFill>
-                <a:schemeClr val="accent1"/>
-              </a:solidFill>
-              <a:latin typeface="Impact" panose="020B0806030902050204" pitchFamily="34" charset="0"/>
-              <a:ea typeface="微软雅黑" panose="020B0503020204020204" pitchFamily="34" charset="-122"/>
-            </a:endParaRPr>
-          </a:p>
-        </p:txBody>
-      </p:sp>
     </p:spTree>
   </p:cSld>
   <p:clrMapOvr>
